--- a/스크립트 언어 기획발표.pptx
+++ b/스크립트 언어 기획발표.pptx
@@ -6,24 +6,28 @@
   </p:sldMasterIdLst>
   <p:sldIdLst>
     <p:sldId id="256" r:id="rId2"/>
-    <p:sldId id="259" r:id="rId3"/>
-    <p:sldId id="260" r:id="rId4"/>
-    <p:sldId id="261" r:id="rId5"/>
+    <p:sldId id="262" r:id="rId3"/>
+    <p:sldId id="263" r:id="rId4"/>
+    <p:sldId id="264" r:id="rId5"/>
+    <p:sldId id="260" r:id="rId6"/>
+    <p:sldId id="266" r:id="rId7"/>
+    <p:sldId id="259" r:id="rId8"/>
+    <p:sldId id="261" r:id="rId9"/>
   </p:sldIdLst>
   <p:sldSz cx="12192000" cy="6858000"/>
   <p:notesSz cx="6858000" cy="9144000"/>
   <p:embeddedFontLst>
     <p:embeddedFont>
       <p:font typeface="Helvetica" panose="020B0604020202030204" pitchFamily="34" charset="0"/>
-      <p:regular r:id="rId6"/>
-      <p:bold r:id="rId7"/>
-      <p:italic r:id="rId8"/>
-      <p:boldItalic r:id="rId9"/>
+      <p:regular r:id="rId10"/>
+      <p:bold r:id="rId11"/>
+      <p:italic r:id="rId12"/>
+      <p:boldItalic r:id="rId13"/>
     </p:embeddedFont>
     <p:embeddedFont>
       <p:font typeface="맑은 고딕" panose="020B0503020000020004" pitchFamily="50" charset="-127"/>
-      <p:regular r:id="rId10"/>
-      <p:bold r:id="rId11"/>
+      <p:regular r:id="rId14"/>
+      <p:bold r:id="rId15"/>
     </p:embeddedFont>
   </p:embeddedFontLst>
   <p:defaultTextStyle>
@@ -276,7 +280,7 @@
           <a:p>
             <a:fld id="{3831D802-403D-4C47-AC95-0514673F73FF}" type="datetimeFigureOut">
               <a:rPr lang="ko-KR" altLang="en-US" smtClean="0"/>
-              <a:t>2020-05-20</a:t>
+              <a:t>2020-05-28</a:t>
             </a:fld>
             <a:endParaRPr lang="ko-KR" altLang="en-US"/>
           </a:p>
@@ -474,7 +478,7 @@
           <a:p>
             <a:fld id="{3831D802-403D-4C47-AC95-0514673F73FF}" type="datetimeFigureOut">
               <a:rPr lang="ko-KR" altLang="en-US" smtClean="0"/>
-              <a:t>2020-05-20</a:t>
+              <a:t>2020-05-28</a:t>
             </a:fld>
             <a:endParaRPr lang="ko-KR" altLang="en-US"/>
           </a:p>
@@ -682,7 +686,7 @@
           <a:p>
             <a:fld id="{3831D802-403D-4C47-AC95-0514673F73FF}" type="datetimeFigureOut">
               <a:rPr lang="ko-KR" altLang="en-US" smtClean="0"/>
-              <a:t>2020-05-20</a:t>
+              <a:t>2020-05-28</a:t>
             </a:fld>
             <a:endParaRPr lang="ko-KR" altLang="en-US"/>
           </a:p>
@@ -880,7 +884,7 @@
           <a:p>
             <a:fld id="{3831D802-403D-4C47-AC95-0514673F73FF}" type="datetimeFigureOut">
               <a:rPr lang="ko-KR" altLang="en-US" smtClean="0"/>
-              <a:t>2020-05-20</a:t>
+              <a:t>2020-05-28</a:t>
             </a:fld>
             <a:endParaRPr lang="ko-KR" altLang="en-US"/>
           </a:p>
@@ -1155,7 +1159,7 @@
           <a:p>
             <a:fld id="{3831D802-403D-4C47-AC95-0514673F73FF}" type="datetimeFigureOut">
               <a:rPr lang="ko-KR" altLang="en-US" smtClean="0"/>
-              <a:t>2020-05-20</a:t>
+              <a:t>2020-05-28</a:t>
             </a:fld>
             <a:endParaRPr lang="ko-KR" altLang="en-US"/>
           </a:p>
@@ -1420,7 +1424,7 @@
           <a:p>
             <a:fld id="{3831D802-403D-4C47-AC95-0514673F73FF}" type="datetimeFigureOut">
               <a:rPr lang="ko-KR" altLang="en-US" smtClean="0"/>
-              <a:t>2020-05-20</a:t>
+              <a:t>2020-05-28</a:t>
             </a:fld>
             <a:endParaRPr lang="ko-KR" altLang="en-US"/>
           </a:p>
@@ -1832,7 +1836,7 @@
           <a:p>
             <a:fld id="{3831D802-403D-4C47-AC95-0514673F73FF}" type="datetimeFigureOut">
               <a:rPr lang="ko-KR" altLang="en-US" smtClean="0"/>
-              <a:t>2020-05-20</a:t>
+              <a:t>2020-05-28</a:t>
             </a:fld>
             <a:endParaRPr lang="ko-KR" altLang="en-US"/>
           </a:p>
@@ -1973,7 +1977,7 @@
           <a:p>
             <a:fld id="{3831D802-403D-4C47-AC95-0514673F73FF}" type="datetimeFigureOut">
               <a:rPr lang="ko-KR" altLang="en-US" smtClean="0"/>
-              <a:t>2020-05-20</a:t>
+              <a:t>2020-05-28</a:t>
             </a:fld>
             <a:endParaRPr lang="ko-KR" altLang="en-US"/>
           </a:p>
@@ -2086,7 +2090,7 @@
           <a:p>
             <a:fld id="{3831D802-403D-4C47-AC95-0514673F73FF}" type="datetimeFigureOut">
               <a:rPr lang="ko-KR" altLang="en-US" smtClean="0"/>
-              <a:t>2020-05-20</a:t>
+              <a:t>2020-05-28</a:t>
             </a:fld>
             <a:endParaRPr lang="ko-KR" altLang="en-US"/>
           </a:p>
@@ -2397,7 +2401,7 @@
           <a:p>
             <a:fld id="{3831D802-403D-4C47-AC95-0514673F73FF}" type="datetimeFigureOut">
               <a:rPr lang="ko-KR" altLang="en-US" smtClean="0"/>
-              <a:t>2020-05-20</a:t>
+              <a:t>2020-05-28</a:t>
             </a:fld>
             <a:endParaRPr lang="ko-KR" altLang="en-US"/>
           </a:p>
@@ -2685,7 +2689,7 @@
           <a:p>
             <a:fld id="{3831D802-403D-4C47-AC95-0514673F73FF}" type="datetimeFigureOut">
               <a:rPr lang="ko-KR" altLang="en-US" smtClean="0"/>
-              <a:t>2020-05-20</a:t>
+              <a:t>2020-05-28</a:t>
             </a:fld>
             <a:endParaRPr lang="ko-KR" altLang="en-US"/>
           </a:p>
@@ -2926,7 +2930,7 @@
           <a:p>
             <a:fld id="{3831D802-403D-4C47-AC95-0514673F73FF}" type="datetimeFigureOut">
               <a:rPr lang="ko-KR" altLang="en-US" smtClean="0"/>
-              <a:t>2020-05-20</a:t>
+              <a:t>2020-05-28</a:t>
             </a:fld>
             <a:endParaRPr lang="ko-KR" altLang="en-US"/>
           </a:p>
@@ -3373,7 +3377,7 @@
           <a:p>
             <a:pPr algn="ctr"/>
             <a:r>
-              <a:rPr lang="en-US" altLang="ko-KR" sz="5400" b="1" dirty="0" smtClean="0">
+              <a:rPr lang="en-US" altLang="ko-KR" sz="5400" b="1" dirty="0">
                 <a:latin typeface="Helvetica" panose="020B0604020202030204" pitchFamily="34" charset="0"/>
               </a:rPr>
               <a:t>Script Term project</a:t>
@@ -3682,7 +3686,13 @@
       </p:grpSpPr>
       <p:cxnSp>
         <p:nvCxnSpPr>
-          <p:cNvPr id="13" name="직선 연결선 12"/>
+          <p:cNvPr id="4" name="직선 연결선 3">
+            <a:extLst>
+              <a:ext uri="{FF2B5EF4-FFF2-40B4-BE49-F238E27FC236}">
+                <a16:creationId xmlns:a16="http://schemas.microsoft.com/office/drawing/2014/main" xmlns="" id="{892ABC0C-BD07-425D-8379-1E60B58CCEE5}"/>
+              </a:ext>
+            </a:extLst>
+          </p:cNvPr>
           <p:cNvCxnSpPr/>
           <p:nvPr/>
         </p:nvCxnSpPr>
@@ -3717,14 +3727,20 @@
       </p:cxnSp>
       <p:sp>
         <p:nvSpPr>
-          <p:cNvPr id="15" name="TextBox 14"/>
+          <p:cNvPr id="5" name="TextBox 4">
+            <a:extLst>
+              <a:ext uri="{FF2B5EF4-FFF2-40B4-BE49-F238E27FC236}">
+                <a16:creationId xmlns:a16="http://schemas.microsoft.com/office/drawing/2014/main" xmlns="" id="{FB6C4B88-73EC-46E3-B120-160271D0A551}"/>
+              </a:ext>
+            </a:extLst>
+          </p:cNvPr>
           <p:cNvSpPr txBox="1"/>
           <p:nvPr/>
         </p:nvSpPr>
         <p:spPr>
           <a:xfrm>
             <a:off x="328157" y="255374"/>
-            <a:ext cx="2121093" cy="523220"/>
+            <a:ext cx="1261884" cy="523220"/>
           </a:xfrm>
           <a:prstGeom prst="rect">
             <a:avLst/>
@@ -3739,259 +3755,32 @@
           <a:p>
             <a:r>
               <a:rPr lang="ko-KR" altLang="en-US" sz="2800" b="1" dirty="0"/>
-              <a:t>프로젝트 </a:t>
-            </a:r>
-            <a:r>
-              <a:rPr lang="en-US" altLang="ko-KR" sz="2800" b="1" dirty="0"/>
-              <a:t>UI</a:t>
-            </a:r>
-            <a:endParaRPr lang="ko-KR" altLang="en-US" sz="2800" b="1" dirty="0"/>
-          </a:p>
-        </p:txBody>
-      </p:sp>
-      <p:sp>
-        <p:nvSpPr>
-          <p:cNvPr id="2" name="직사각형 1">
-            <a:extLst>
-              <a:ext uri="{FF2B5EF4-FFF2-40B4-BE49-F238E27FC236}">
-                <a16:creationId xmlns:a16="http://schemas.microsoft.com/office/drawing/2014/main" xmlns="" id="{70FE2C87-92EF-452B-AC6A-FA8AF0546EB2}"/>
-              </a:ext>
-            </a:extLst>
-          </p:cNvPr>
-          <p:cNvSpPr/>
+              <a:t>타이틀</a:t>
+            </a:r>
+          </a:p>
+        </p:txBody>
+      </p:sp>
+      <p:sp>
+        <p:nvSpPr>
+          <p:cNvPr id="7" name="TextBox 6">
+            <a:extLst>
+              <a:ext uri="{FF2B5EF4-FFF2-40B4-BE49-F238E27FC236}">
+                <a16:creationId xmlns:a16="http://schemas.microsoft.com/office/drawing/2014/main" xmlns="" id="{2FAD1315-256D-4E38-8B80-BADB3C921947}"/>
+              </a:ext>
+            </a:extLst>
+          </p:cNvPr>
+          <p:cNvSpPr txBox="1"/>
           <p:nvPr/>
         </p:nvSpPr>
         <p:spPr>
           <a:xfrm>
-            <a:off x="3069387" y="1174131"/>
-            <a:ext cx="6392410" cy="4530046"/>
-          </a:xfrm>
-          <a:prstGeom prst="rect">
-            <a:avLst/>
-          </a:prstGeom>
-          <a:ln w="19050">
-            <a:solidFill>
-              <a:schemeClr val="tx1"/>
-            </a:solidFill>
-          </a:ln>
-        </p:spPr>
-        <p:style>
-          <a:lnRef idx="2">
-            <a:schemeClr val="dk1"/>
-          </a:lnRef>
-          <a:fillRef idx="1">
-            <a:schemeClr val="lt1"/>
-          </a:fillRef>
-          <a:effectRef idx="0">
-            <a:schemeClr val="dk1"/>
-          </a:effectRef>
-          <a:fontRef idx="minor">
-            <a:schemeClr val="dk1"/>
-          </a:fontRef>
-        </p:style>
-        <p:txBody>
-          <a:bodyPr rtlCol="0" anchor="ctr"/>
-          <a:lstStyle/>
-          <a:p>
-            <a:pPr algn="ctr"/>
-            <a:endParaRPr lang="ko-KR" altLang="en-US" dirty="0"/>
-          </a:p>
-        </p:txBody>
-      </p:sp>
-      <p:sp>
-        <p:nvSpPr>
-          <p:cNvPr id="3" name="직사각형 2">
-            <a:extLst>
-              <a:ext uri="{FF2B5EF4-FFF2-40B4-BE49-F238E27FC236}">
-                <a16:creationId xmlns:a16="http://schemas.microsoft.com/office/drawing/2014/main" xmlns="" id="{81C6D8A2-F14E-462E-98E2-4FA0FDAD4B67}"/>
-              </a:ext>
-            </a:extLst>
-          </p:cNvPr>
-          <p:cNvSpPr/>
-          <p:nvPr/>
-        </p:nvSpPr>
-        <p:spPr>
-          <a:xfrm>
-            <a:off x="3405476" y="2613801"/>
-            <a:ext cx="2977720" cy="2844188"/>
+            <a:off x="1018903" y="2628781"/>
+            <a:ext cx="10154194" cy="1600438"/>
           </a:xfrm>
           <a:prstGeom prst="rect">
             <a:avLst/>
           </a:prstGeom>
           <a:noFill/>
-          <a:ln w="19050">
-            <a:solidFill>
-              <a:schemeClr val="tx1"/>
-            </a:solidFill>
-          </a:ln>
-        </p:spPr>
-        <p:style>
-          <a:lnRef idx="2">
-            <a:schemeClr val="dk1"/>
-          </a:lnRef>
-          <a:fillRef idx="1">
-            <a:schemeClr val="lt1"/>
-          </a:fillRef>
-          <a:effectRef idx="0">
-            <a:schemeClr val="dk1"/>
-          </a:effectRef>
-          <a:fontRef idx="minor">
-            <a:schemeClr val="dk1"/>
-          </a:fontRef>
-        </p:style>
-        <p:txBody>
-          <a:bodyPr rtlCol="0" anchor="ctr"/>
-          <a:lstStyle/>
-          <a:p>
-            <a:pPr algn="ctr"/>
-            <a:r>
-              <a:rPr lang="ko-KR" altLang="en-US" dirty="0"/>
-              <a:t>시간표</a:t>
-            </a:r>
-          </a:p>
-        </p:txBody>
-      </p:sp>
-      <p:sp>
-        <p:nvSpPr>
-          <p:cNvPr id="8" name="직사각형 7">
-            <a:extLst>
-              <a:ext uri="{FF2B5EF4-FFF2-40B4-BE49-F238E27FC236}">
-                <a16:creationId xmlns:a16="http://schemas.microsoft.com/office/drawing/2014/main" xmlns="" id="{930B586D-08BE-48D8-82AB-8D2255D8F8F0}"/>
-              </a:ext>
-            </a:extLst>
-          </p:cNvPr>
-          <p:cNvSpPr/>
-          <p:nvPr/>
-        </p:nvSpPr>
-        <p:spPr>
-          <a:xfrm>
-            <a:off x="3405476" y="2144331"/>
-            <a:ext cx="1807280" cy="323844"/>
-          </a:xfrm>
-          <a:prstGeom prst="rect">
-            <a:avLst/>
-          </a:prstGeom>
-          <a:noFill/>
-          <a:ln w="19050">
-            <a:solidFill>
-              <a:schemeClr val="tx1"/>
-            </a:solidFill>
-          </a:ln>
-        </p:spPr>
-        <p:style>
-          <a:lnRef idx="2">
-            <a:schemeClr val="dk1"/>
-          </a:lnRef>
-          <a:fillRef idx="1">
-            <a:schemeClr val="lt1"/>
-          </a:fillRef>
-          <a:effectRef idx="0">
-            <a:schemeClr val="dk1"/>
-          </a:effectRef>
-          <a:fontRef idx="minor">
-            <a:schemeClr val="dk1"/>
-          </a:fontRef>
-        </p:style>
-        <p:txBody>
-          <a:bodyPr rtlCol="0" anchor="ctr"/>
-          <a:lstStyle/>
-          <a:p>
-            <a:pPr algn="ctr"/>
-            <a:r>
-              <a:rPr lang="ko-KR" altLang="en-US" dirty="0"/>
-              <a:t>역 이름</a:t>
-            </a:r>
-          </a:p>
-        </p:txBody>
-      </p:sp>
-      <p:sp>
-        <p:nvSpPr>
-          <p:cNvPr id="14" name="직사각형 13">
-            <a:extLst>
-              <a:ext uri="{FF2B5EF4-FFF2-40B4-BE49-F238E27FC236}">
-                <a16:creationId xmlns:a16="http://schemas.microsoft.com/office/drawing/2014/main" xmlns="" id="{FDD304F8-A859-4B12-8E86-5C03E0C0B39D}"/>
-              </a:ext>
-            </a:extLst>
-          </p:cNvPr>
-          <p:cNvSpPr/>
-          <p:nvPr/>
-        </p:nvSpPr>
-        <p:spPr>
-          <a:xfrm>
-            <a:off x="5356897" y="2144331"/>
-            <a:ext cx="1026299" cy="323844"/>
-          </a:xfrm>
-          <a:prstGeom prst="rect">
-            <a:avLst/>
-          </a:prstGeom>
-          <a:noFill/>
-          <a:ln w="19050">
-            <a:solidFill>
-              <a:schemeClr val="tx1"/>
-            </a:solidFill>
-          </a:ln>
-        </p:spPr>
-        <p:style>
-          <a:lnRef idx="2">
-            <a:schemeClr val="dk1"/>
-          </a:lnRef>
-          <a:fillRef idx="1">
-            <a:schemeClr val="lt1"/>
-          </a:fillRef>
-          <a:effectRef idx="0">
-            <a:schemeClr val="dk1"/>
-          </a:effectRef>
-          <a:fontRef idx="minor">
-            <a:schemeClr val="dk1"/>
-          </a:fontRef>
-        </p:style>
-        <p:txBody>
-          <a:bodyPr rtlCol="0" anchor="ctr"/>
-          <a:lstStyle/>
-          <a:p>
-            <a:pPr algn="ctr"/>
-            <a:r>
-              <a:rPr lang="ko-KR" altLang="en-US" dirty="0" smtClean="0"/>
-              <a:t>상</a:t>
-            </a:r>
-            <a:r>
-              <a:rPr lang="en-US" altLang="ko-KR" dirty="0" smtClean="0"/>
-              <a:t>/</a:t>
-            </a:r>
-            <a:r>
-              <a:rPr lang="ko-KR" altLang="en-US" dirty="0" smtClean="0"/>
-              <a:t>하행</a:t>
-            </a:r>
-            <a:endParaRPr lang="ko-KR" altLang="en-US" dirty="0"/>
-          </a:p>
-        </p:txBody>
-      </p:sp>
-      <p:sp>
-        <p:nvSpPr>
-          <p:cNvPr id="10" name="TextBox 9">
-            <a:extLst>
-              <a:ext uri="{FF2B5EF4-FFF2-40B4-BE49-F238E27FC236}">
-                <a16:creationId xmlns:a16="http://schemas.microsoft.com/office/drawing/2014/main" xmlns="" id="{D7B81E91-6BD5-4A04-A9F5-384F2D72C6C0}"/>
-              </a:ext>
-            </a:extLst>
-          </p:cNvPr>
-          <p:cNvSpPr txBox="1"/>
-          <p:nvPr/>
-        </p:nvSpPr>
-        <p:spPr>
-          <a:xfrm>
-            <a:off x="4437828" y="1420319"/>
-            <a:ext cx="4039422" cy="369332"/>
-          </a:xfrm>
-          <a:prstGeom prst="rect">
-            <a:avLst/>
-          </a:prstGeom>
-          <a:noFill/>
-          <a:ln w="19050">
-            <a:solidFill>
-              <a:schemeClr val="tx1"/>
-            </a:solidFill>
-          </a:ln>
         </p:spPr>
         <p:txBody>
           <a:bodyPr wrap="square" rtlCol="0">
@@ -4001,179 +3790,37 @@
           <a:p>
             <a:pPr algn="ctr"/>
             <a:r>
-              <a:rPr lang="en-US" altLang="ko-KR" b="1" dirty="0"/>
-              <a:t>4</a:t>
-            </a:r>
-            <a:r>
-              <a:rPr lang="ko-KR" altLang="en-US" b="1" dirty="0"/>
-              <a:t>호선 지하철 시간표</a:t>
-            </a:r>
-          </a:p>
-        </p:txBody>
-      </p:sp>
-      <p:sp>
-        <p:nvSpPr>
-          <p:cNvPr id="11" name="직사각형 10">
-            <a:extLst>
-              <a:ext uri="{FF2B5EF4-FFF2-40B4-BE49-F238E27FC236}">
-                <a16:creationId xmlns:a16="http://schemas.microsoft.com/office/drawing/2014/main" xmlns="" id="{4897C5ED-A7A2-4BAA-B727-D1983CD740D2}"/>
-              </a:ext>
-            </a:extLst>
-          </p:cNvPr>
-          <p:cNvSpPr/>
-          <p:nvPr/>
-        </p:nvSpPr>
-        <p:spPr>
-          <a:xfrm>
-            <a:off x="6815917" y="3719495"/>
-            <a:ext cx="2309771" cy="948956"/>
-          </a:xfrm>
-          <a:prstGeom prst="rect">
-            <a:avLst/>
-          </a:prstGeom>
-          <a:noFill/>
-          <a:ln w="19050">
-            <a:solidFill>
-              <a:schemeClr val="tx1"/>
-            </a:solidFill>
-          </a:ln>
-        </p:spPr>
-        <p:style>
-          <a:lnRef idx="2">
-            <a:schemeClr val="dk1"/>
-          </a:lnRef>
-          <a:fillRef idx="1">
-            <a:schemeClr val="lt1"/>
-          </a:fillRef>
-          <a:effectRef idx="0">
-            <a:schemeClr val="dk1"/>
-          </a:effectRef>
-          <a:fontRef idx="minor">
-            <a:schemeClr val="dk1"/>
-          </a:fontRef>
-        </p:style>
-        <p:txBody>
-          <a:bodyPr rtlCol="0" anchor="ctr"/>
-          <a:lstStyle/>
+              <a:rPr lang="ko-KR" altLang="en-US" sz="6600" b="1" dirty="0" smtClean="0"/>
+              <a:t>연계대중교통정보</a:t>
+            </a:r>
+            <a:endParaRPr lang="en-US" altLang="ko-KR" sz="6600" b="1" dirty="0" smtClean="0"/>
+          </a:p>
           <a:p>
             <a:pPr algn="ctr"/>
             <a:r>
-              <a:rPr lang="ko-KR" altLang="en-US" dirty="0"/>
-              <a:t>알람 시간</a:t>
-            </a:r>
-          </a:p>
-        </p:txBody>
-      </p:sp>
-      <p:sp>
-        <p:nvSpPr>
-          <p:cNvPr id="17" name="직사각형 16">
-            <a:extLst>
-              <a:ext uri="{FF2B5EF4-FFF2-40B4-BE49-F238E27FC236}">
-                <a16:creationId xmlns:a16="http://schemas.microsoft.com/office/drawing/2014/main" xmlns="" id="{DDD56ACE-4EED-4A2E-B905-EF72617AC7DE}"/>
-              </a:ext>
-            </a:extLst>
-          </p:cNvPr>
-          <p:cNvSpPr/>
-          <p:nvPr/>
-        </p:nvSpPr>
-        <p:spPr>
-          <a:xfrm>
-            <a:off x="6815917" y="5063220"/>
-            <a:ext cx="2309771" cy="371213"/>
-          </a:xfrm>
-          <a:prstGeom prst="rect">
-            <a:avLst/>
-          </a:prstGeom>
-          <a:noFill/>
-          <a:ln w="19050">
-            <a:solidFill>
-              <a:schemeClr val="tx1"/>
-            </a:solidFill>
-          </a:ln>
-        </p:spPr>
-        <p:style>
-          <a:lnRef idx="2">
-            <a:schemeClr val="dk1"/>
-          </a:lnRef>
-          <a:fillRef idx="1">
-            <a:schemeClr val="lt1"/>
-          </a:fillRef>
-          <a:effectRef idx="0">
-            <a:schemeClr val="dk1"/>
-          </a:effectRef>
-          <a:fontRef idx="minor">
-            <a:schemeClr val="dk1"/>
-          </a:fontRef>
-        </p:style>
-        <p:txBody>
-          <a:bodyPr rtlCol="0" anchor="ctr"/>
-          <a:lstStyle/>
-          <a:p>
-            <a:pPr algn="ctr"/>
-            <a:r>
-              <a:rPr lang="ko-KR" altLang="en-US" dirty="0"/>
-              <a:t>위치 보기</a:t>
-            </a:r>
-          </a:p>
-        </p:txBody>
-      </p:sp>
-      <p:sp>
-        <p:nvSpPr>
-          <p:cNvPr id="18" name="직사각형 17">
-            <a:extLst>
-              <a:ext uri="{FF2B5EF4-FFF2-40B4-BE49-F238E27FC236}">
-                <a16:creationId xmlns:a16="http://schemas.microsoft.com/office/drawing/2014/main" xmlns="" id="{2ED8A7B4-D697-4546-9784-6253DDD572FE}"/>
-              </a:ext>
-            </a:extLst>
-          </p:cNvPr>
-          <p:cNvSpPr/>
-          <p:nvPr/>
-        </p:nvSpPr>
-        <p:spPr>
-          <a:xfrm>
-            <a:off x="6815938" y="2144331"/>
-            <a:ext cx="2309771" cy="1524699"/>
-          </a:xfrm>
-          <a:prstGeom prst="rect">
-            <a:avLst/>
-          </a:prstGeom>
-          <a:noFill/>
-          <a:ln w="19050">
-            <a:solidFill>
-              <a:schemeClr val="tx1"/>
-            </a:solidFill>
-          </a:ln>
-        </p:spPr>
-        <p:style>
-          <a:lnRef idx="2">
-            <a:schemeClr val="dk1"/>
-          </a:lnRef>
-          <a:fillRef idx="1">
-            <a:schemeClr val="lt1"/>
-          </a:fillRef>
-          <a:effectRef idx="0">
-            <a:schemeClr val="dk1"/>
-          </a:effectRef>
-          <a:fontRef idx="minor">
-            <a:schemeClr val="dk1"/>
-          </a:fontRef>
-        </p:style>
-        <p:txBody>
-          <a:bodyPr rtlCol="0" anchor="ctr"/>
-          <a:lstStyle/>
-          <a:p>
-            <a:pPr algn="ctr"/>
-            <a:r>
-              <a:rPr lang="ko-KR" altLang="en-US" dirty="0"/>
-              <a:t>노선도</a:t>
-            </a:r>
+              <a:rPr lang="ko-KR" altLang="en-US" sz="3200" dirty="0"/>
+              <a:t>지하철 시간과 </a:t>
+            </a:r>
+            <a:r>
+              <a:rPr lang="ko-KR" altLang="en-US" sz="3200" dirty="0" smtClean="0"/>
+              <a:t>버스정류장 </a:t>
+            </a:r>
+            <a:r>
+              <a:rPr lang="ko-KR" altLang="en-US" sz="3200" dirty="0"/>
+              <a:t>위치를 한번에</a:t>
+            </a:r>
+            <a:r>
+              <a:rPr lang="en-US" altLang="ko-KR" sz="3200" dirty="0" smtClean="0"/>
+              <a:t>!</a:t>
+            </a:r>
+            <a:endParaRPr lang="en-US" altLang="ko-KR" sz="3200" dirty="0"/>
           </a:p>
         </p:txBody>
       </p:sp>
     </p:spTree>
     <p:extLst>
       <p:ext uri="{BB962C8B-B14F-4D97-AF65-F5344CB8AC3E}">
-        <p14:creationId xmlns:p14="http://schemas.microsoft.com/office/powerpoint/2010/main" val="2896311364"/>
+        <p14:creationId xmlns:p14="http://schemas.microsoft.com/office/powerpoint/2010/main" val="1866278277"/>
       </p:ext>
     </p:extLst>
   </p:cSld>
@@ -4184,6 +3831,1379 @@
 </file>
 
 <file path=ppt/slides/slide3.xml><?xml version="1.0" encoding="utf-8"?>
+<p:sld xmlns:a="http://schemas.openxmlformats.org/drawingml/2006/main" xmlns:r="http://schemas.openxmlformats.org/officeDocument/2006/relationships" xmlns:p="http://schemas.openxmlformats.org/presentationml/2006/main">
+  <p:cSld>
+    <p:spTree>
+      <p:nvGrpSpPr>
+        <p:cNvPr id="1" name=""/>
+        <p:cNvGrpSpPr/>
+        <p:nvPr/>
+      </p:nvGrpSpPr>
+      <p:grpSpPr>
+        <a:xfrm>
+          <a:off x="0" y="0"/>
+          <a:ext cx="0" cy="0"/>
+          <a:chOff x="0" y="0"/>
+          <a:chExt cx="0" cy="0"/>
+        </a:xfrm>
+      </p:grpSpPr>
+      <p:cxnSp>
+        <p:nvCxnSpPr>
+          <p:cNvPr id="4" name="직선 연결선 3">
+            <a:extLst>
+              <a:ext uri="{FF2B5EF4-FFF2-40B4-BE49-F238E27FC236}">
+                <a16:creationId xmlns:a16="http://schemas.microsoft.com/office/drawing/2014/main" xmlns="" id="{08A61A29-3624-4840-9211-EDEBB128E8F9}"/>
+              </a:ext>
+            </a:extLst>
+          </p:cNvPr>
+          <p:cNvCxnSpPr/>
+          <p:nvPr/>
+        </p:nvCxnSpPr>
+        <p:spPr>
+          <a:xfrm>
+            <a:off x="0" y="172995"/>
+            <a:ext cx="2636108" cy="0"/>
+          </a:xfrm>
+          <a:prstGeom prst="line">
+            <a:avLst/>
+          </a:prstGeom>
+          <a:ln w="38100">
+            <a:solidFill>
+              <a:schemeClr val="tx1"/>
+            </a:solidFill>
+          </a:ln>
+        </p:spPr>
+        <p:style>
+          <a:lnRef idx="1">
+            <a:schemeClr val="accent1"/>
+          </a:lnRef>
+          <a:fillRef idx="0">
+            <a:schemeClr val="accent1"/>
+          </a:fillRef>
+          <a:effectRef idx="0">
+            <a:schemeClr val="accent1"/>
+          </a:effectRef>
+          <a:fontRef idx="minor">
+            <a:schemeClr val="tx1"/>
+          </a:fontRef>
+        </p:style>
+      </p:cxnSp>
+      <p:sp>
+        <p:nvSpPr>
+          <p:cNvPr id="5" name="TextBox 4">
+            <a:extLst>
+              <a:ext uri="{FF2B5EF4-FFF2-40B4-BE49-F238E27FC236}">
+                <a16:creationId xmlns:a16="http://schemas.microsoft.com/office/drawing/2014/main" xmlns="" id="{A4B781C3-08FF-40A3-A754-A7E497AA63D9}"/>
+              </a:ext>
+            </a:extLst>
+          </p:cNvPr>
+          <p:cNvSpPr txBox="1"/>
+          <p:nvPr/>
+        </p:nvSpPr>
+        <p:spPr>
+          <a:xfrm>
+            <a:off x="328157" y="255374"/>
+            <a:ext cx="3578224" cy="523220"/>
+          </a:xfrm>
+          <a:prstGeom prst="rect">
+            <a:avLst/>
+          </a:prstGeom>
+          <a:noFill/>
+        </p:spPr>
+        <p:txBody>
+          <a:bodyPr wrap="none" rtlCol="0">
+            <a:spAutoFit/>
+          </a:bodyPr>
+          <a:lstStyle/>
+          <a:p>
+            <a:r>
+              <a:rPr lang="ko-KR" altLang="en-US" sz="2800" b="1" dirty="0" smtClean="0"/>
+              <a:t>연계대중교통정보란</a:t>
+            </a:r>
+            <a:r>
+              <a:rPr lang="en-US" altLang="ko-KR" sz="2800" b="1" dirty="0" smtClean="0"/>
+              <a:t>?</a:t>
+            </a:r>
+            <a:endParaRPr lang="ko-KR" altLang="en-US" sz="2800" b="1" dirty="0"/>
+          </a:p>
+        </p:txBody>
+      </p:sp>
+      <p:sp>
+        <p:nvSpPr>
+          <p:cNvPr id="6" name="TextBox 5">
+            <a:extLst>
+              <a:ext uri="{FF2B5EF4-FFF2-40B4-BE49-F238E27FC236}">
+                <a16:creationId xmlns:a16="http://schemas.microsoft.com/office/drawing/2014/main" xmlns="" id="{5628FFB7-00B2-4CC6-BEA6-BEF0A9A5C242}"/>
+              </a:ext>
+            </a:extLst>
+          </p:cNvPr>
+          <p:cNvSpPr txBox="1"/>
+          <p:nvPr/>
+        </p:nvSpPr>
+        <p:spPr>
+          <a:xfrm>
+            <a:off x="722812" y="5365105"/>
+            <a:ext cx="10737668" cy="707886"/>
+          </a:xfrm>
+          <a:prstGeom prst="rect">
+            <a:avLst/>
+          </a:prstGeom>
+          <a:noFill/>
+        </p:spPr>
+        <p:txBody>
+          <a:bodyPr wrap="square" rtlCol="0">
+            <a:spAutoFit/>
+          </a:bodyPr>
+          <a:lstStyle/>
+          <a:p>
+            <a:r>
+              <a:rPr lang="ko-KR" altLang="en-US" sz="2000" dirty="0"/>
+              <a:t>우리가 사용하는 지도</a:t>
+            </a:r>
+            <a:r>
+              <a:rPr lang="en-US" altLang="ko-KR" sz="2000" dirty="0" smtClean="0"/>
+              <a:t>, </a:t>
+            </a:r>
+            <a:r>
+              <a:rPr lang="ko-KR" altLang="en-US" sz="2000" dirty="0" smtClean="0"/>
+              <a:t>지하철 </a:t>
+            </a:r>
+            <a:r>
+              <a:rPr lang="ko-KR" altLang="en-US" sz="2000" dirty="0" err="1" smtClean="0"/>
+              <a:t>앱을</a:t>
+            </a:r>
+            <a:r>
+              <a:rPr lang="ko-KR" altLang="en-US" sz="2000" dirty="0" smtClean="0"/>
+              <a:t> 보면 </a:t>
+            </a:r>
+            <a:r>
+              <a:rPr lang="ko-KR" altLang="en-US" sz="2000" dirty="0"/>
+              <a:t>따로 들어가서 찾고 확인하고 반복작업을 </a:t>
+            </a:r>
+            <a:r>
+              <a:rPr lang="ko-KR" altLang="en-US" sz="2000" dirty="0" smtClean="0"/>
+              <a:t>해야 한다</a:t>
+            </a:r>
+            <a:r>
+              <a:rPr lang="en-US" altLang="ko-KR" sz="2000" dirty="0"/>
+              <a:t>. </a:t>
+            </a:r>
+            <a:endParaRPr lang="en-US" altLang="ko-KR" sz="2000" dirty="0" smtClean="0"/>
+          </a:p>
+          <a:p>
+            <a:r>
+              <a:rPr lang="ko-KR" altLang="en-US" sz="2000" dirty="0" smtClean="0"/>
+              <a:t>이러한 </a:t>
+            </a:r>
+            <a:r>
+              <a:rPr lang="ko-KR" altLang="en-US" sz="2000" dirty="0"/>
+              <a:t>과정을 줄어주는 방법을 생각해 사용할 수 있도록 한다</a:t>
+            </a:r>
+            <a:r>
+              <a:rPr lang="en-US" altLang="ko-KR" sz="2000" dirty="0"/>
+              <a:t>.</a:t>
+            </a:r>
+            <a:endParaRPr lang="ko-KR" altLang="en-US" sz="2000" dirty="0"/>
+          </a:p>
+        </p:txBody>
+      </p:sp>
+      <p:sp>
+        <p:nvSpPr>
+          <p:cNvPr id="11" name="오른쪽 화살표 10"/>
+          <p:cNvSpPr/>
+          <p:nvPr/>
+        </p:nvSpPr>
+        <p:spPr>
+          <a:xfrm>
+            <a:off x="4926858" y="2784427"/>
+            <a:ext cx="2388738" cy="992778"/>
+          </a:xfrm>
+          <a:prstGeom prst="rightArrow">
+            <a:avLst/>
+          </a:prstGeom>
+          <a:solidFill>
+            <a:schemeClr val="tx1"/>
+          </a:solidFill>
+          <a:ln>
+            <a:noFill/>
+          </a:ln>
+        </p:spPr>
+        <p:style>
+          <a:lnRef idx="2">
+            <a:schemeClr val="accent1">
+              <a:shade val="50000"/>
+            </a:schemeClr>
+          </a:lnRef>
+          <a:fillRef idx="1">
+            <a:schemeClr val="accent1"/>
+          </a:fillRef>
+          <a:effectRef idx="0">
+            <a:schemeClr val="accent1"/>
+          </a:effectRef>
+          <a:fontRef idx="minor">
+            <a:schemeClr val="lt1"/>
+          </a:fontRef>
+        </p:style>
+        <p:txBody>
+          <a:bodyPr rtlCol="0" anchor="ctr"/>
+          <a:lstStyle/>
+          <a:p>
+            <a:pPr algn="ctr"/>
+            <a:endParaRPr lang="ko-KR" altLang="en-US"/>
+          </a:p>
+        </p:txBody>
+      </p:sp>
+      <p:grpSp>
+        <p:nvGrpSpPr>
+          <p:cNvPr id="42" name="그룹 41"/>
+          <p:cNvGrpSpPr/>
+          <p:nvPr/>
+        </p:nvGrpSpPr>
+        <p:grpSpPr>
+          <a:xfrm>
+            <a:off x="825278" y="1519519"/>
+            <a:ext cx="3369848" cy="3522594"/>
+            <a:chOff x="825278" y="1519519"/>
+            <a:chExt cx="3369848" cy="3522594"/>
+          </a:xfrm>
+        </p:grpSpPr>
+        <p:sp>
+          <p:nvSpPr>
+            <p:cNvPr id="12" name="모서리가 둥근 직사각형 11"/>
+            <p:cNvSpPr/>
+            <p:nvPr/>
+          </p:nvSpPr>
+          <p:spPr>
+            <a:xfrm>
+              <a:off x="2058504" y="1519519"/>
+              <a:ext cx="992778" cy="992778"/>
+            </a:xfrm>
+            <a:prstGeom prst="roundRect">
+              <a:avLst>
+                <a:gd name="adj" fmla="val 9649"/>
+              </a:avLst>
+            </a:prstGeom>
+            <a:noFill/>
+            <a:ln w="28575">
+              <a:solidFill>
+                <a:schemeClr val="tx1"/>
+              </a:solidFill>
+            </a:ln>
+          </p:spPr>
+          <p:style>
+            <a:lnRef idx="2">
+              <a:schemeClr val="accent1">
+                <a:shade val="50000"/>
+              </a:schemeClr>
+            </a:lnRef>
+            <a:fillRef idx="1">
+              <a:schemeClr val="accent1"/>
+            </a:fillRef>
+            <a:effectRef idx="0">
+              <a:schemeClr val="accent1"/>
+            </a:effectRef>
+            <a:fontRef idx="minor">
+              <a:schemeClr val="lt1"/>
+            </a:fontRef>
+          </p:style>
+          <p:txBody>
+            <a:bodyPr rtlCol="0" anchor="ctr"/>
+            <a:lstStyle/>
+            <a:p>
+              <a:pPr algn="ctr"/>
+              <a:endParaRPr lang="ko-KR" altLang="en-US"/>
+            </a:p>
+          </p:txBody>
+        </p:sp>
+        <p:pic>
+          <p:nvPicPr>
+            <p:cNvPr id="7" name="그림 6"/>
+            <p:cNvPicPr>
+              <a:picLocks noChangeAspect="1"/>
+            </p:cNvPicPr>
+            <p:nvPr/>
+          </p:nvPicPr>
+          <p:blipFill>
+            <a:blip r:embed="rId2">
+              <a:extLst>
+                <a:ext uri="{28A0092B-C50C-407E-A947-70E740481C1C}">
+                  <a14:useLocalDpi xmlns:a14="http://schemas.microsoft.com/office/drawing/2010/main" val="0"/>
+                </a:ext>
+              </a:extLst>
+            </a:blip>
+            <a:stretch>
+              <a:fillRect/>
+            </a:stretch>
+          </p:blipFill>
+          <p:spPr>
+            <a:xfrm>
+              <a:off x="2107104" y="1568120"/>
+              <a:ext cx="895578" cy="895576"/>
+            </a:xfrm>
+            <a:prstGeom prst="rect">
+              <a:avLst/>
+            </a:prstGeom>
+          </p:spPr>
+        </p:pic>
+        <p:sp>
+          <p:nvSpPr>
+            <p:cNvPr id="3" name="TextBox 2"/>
+            <p:cNvSpPr txBox="1"/>
+            <p:nvPr/>
+          </p:nvSpPr>
+          <p:spPr>
+            <a:xfrm>
+              <a:off x="1960018" y="2515330"/>
+              <a:ext cx="1189749" cy="369332"/>
+            </a:xfrm>
+            <a:prstGeom prst="rect">
+              <a:avLst/>
+            </a:prstGeom>
+            <a:noFill/>
+          </p:spPr>
+          <p:txBody>
+            <a:bodyPr wrap="none" rtlCol="0">
+              <a:spAutoFit/>
+            </a:bodyPr>
+            <a:lstStyle/>
+            <a:p>
+              <a:pPr algn="ctr"/>
+              <a:r>
+                <a:rPr lang="ko-KR" altLang="en-US" b="1" dirty="0" smtClean="0"/>
+                <a:t>지하철 </a:t>
+              </a:r>
+              <a:r>
+                <a:rPr lang="ko-KR" altLang="en-US" b="1" dirty="0" err="1" smtClean="0"/>
+                <a:t>앱</a:t>
+              </a:r>
+              <a:endParaRPr lang="ko-KR" altLang="en-US" b="1" dirty="0"/>
+            </a:p>
+          </p:txBody>
+        </p:sp>
+        <p:cxnSp>
+          <p:nvCxnSpPr>
+            <p:cNvPr id="10" name="직선 화살표 연결선 9"/>
+            <p:cNvCxnSpPr/>
+            <p:nvPr/>
+          </p:nvCxnSpPr>
+          <p:spPr>
+            <a:xfrm flipH="1">
+              <a:off x="1321197" y="2852144"/>
+              <a:ext cx="551761" cy="669486"/>
+            </a:xfrm>
+            <a:prstGeom prst="straightConnector1">
+              <a:avLst/>
+            </a:prstGeom>
+            <a:ln w="57150">
+              <a:solidFill>
+                <a:schemeClr val="tx1"/>
+              </a:solidFill>
+              <a:headEnd type="triangle"/>
+              <a:tailEnd type="triangle"/>
+            </a:ln>
+          </p:spPr>
+          <p:style>
+            <a:lnRef idx="1">
+              <a:schemeClr val="accent1"/>
+            </a:lnRef>
+            <a:fillRef idx="0">
+              <a:schemeClr val="accent1"/>
+            </a:fillRef>
+            <a:effectRef idx="0">
+              <a:schemeClr val="accent1"/>
+            </a:effectRef>
+            <a:fontRef idx="minor">
+              <a:schemeClr val="tx1"/>
+            </a:fontRef>
+          </p:style>
+        </p:cxnSp>
+        <p:grpSp>
+          <p:nvGrpSpPr>
+            <p:cNvPr id="18" name="그룹 17"/>
+            <p:cNvGrpSpPr/>
+            <p:nvPr/>
+          </p:nvGrpSpPr>
+          <p:grpSpPr>
+            <a:xfrm>
+              <a:off x="825278" y="3680003"/>
+              <a:ext cx="992778" cy="1362110"/>
+              <a:chOff x="1901875" y="3701901"/>
+              <a:chExt cx="992778" cy="1362110"/>
+            </a:xfrm>
+          </p:grpSpPr>
+          <p:sp>
+            <p:nvSpPr>
+              <p:cNvPr id="8" name="TextBox 7"/>
+              <p:cNvSpPr txBox="1"/>
+              <p:nvPr/>
+            </p:nvSpPr>
+            <p:spPr>
+              <a:xfrm>
+                <a:off x="1935736" y="4694679"/>
+                <a:ext cx="958917" cy="369332"/>
+              </a:xfrm>
+              <a:prstGeom prst="rect">
+                <a:avLst/>
+              </a:prstGeom>
+              <a:noFill/>
+            </p:spPr>
+            <p:txBody>
+              <a:bodyPr wrap="none" rtlCol="0">
+                <a:spAutoFit/>
+              </a:bodyPr>
+              <a:lstStyle/>
+              <a:p>
+                <a:pPr algn="ctr"/>
+                <a:r>
+                  <a:rPr lang="ko-KR" altLang="en-US" b="1" dirty="0" smtClean="0"/>
+                  <a:t>지도 </a:t>
+                </a:r>
+                <a:r>
+                  <a:rPr lang="ko-KR" altLang="en-US" b="1" dirty="0" err="1" smtClean="0"/>
+                  <a:t>앱</a:t>
+                </a:r>
+                <a:endParaRPr lang="ko-KR" altLang="en-US" b="1" dirty="0"/>
+              </a:p>
+            </p:txBody>
+          </p:sp>
+          <p:grpSp>
+            <p:nvGrpSpPr>
+              <p:cNvPr id="15" name="그룹 14"/>
+              <p:cNvGrpSpPr/>
+              <p:nvPr/>
+            </p:nvGrpSpPr>
+            <p:grpSpPr>
+              <a:xfrm>
+                <a:off x="1901875" y="3701901"/>
+                <a:ext cx="992778" cy="992778"/>
+                <a:chOff x="2258963" y="3061821"/>
+                <a:chExt cx="992778" cy="992778"/>
+              </a:xfrm>
+            </p:grpSpPr>
+            <p:pic>
+              <p:nvPicPr>
+                <p:cNvPr id="2" name="그림 1"/>
+                <p:cNvPicPr>
+                  <a:picLocks noChangeAspect="1"/>
+                </p:cNvPicPr>
+                <p:nvPr/>
+              </p:nvPicPr>
+              <p:blipFill>
+                <a:blip r:embed="rId3" cstate="print">
+                  <a:extLst>
+                    <a:ext uri="{28A0092B-C50C-407E-A947-70E740481C1C}">
+                      <a14:useLocalDpi xmlns:a14="http://schemas.microsoft.com/office/drawing/2010/main" val="0"/>
+                    </a:ext>
+                  </a:extLst>
+                </a:blip>
+                <a:stretch>
+                  <a:fillRect/>
+                </a:stretch>
+              </p:blipFill>
+              <p:spPr>
+                <a:xfrm>
+                  <a:off x="2344537" y="3147395"/>
+                  <a:ext cx="821631" cy="821631"/>
+                </a:xfrm>
+                <a:prstGeom prst="rect">
+                  <a:avLst/>
+                </a:prstGeom>
+              </p:spPr>
+            </p:pic>
+            <p:sp>
+              <p:nvSpPr>
+                <p:cNvPr id="14" name="모서리가 둥근 직사각형 13"/>
+                <p:cNvSpPr/>
+                <p:nvPr/>
+              </p:nvSpPr>
+              <p:spPr>
+                <a:xfrm>
+                  <a:off x="2258963" y="3061821"/>
+                  <a:ext cx="992778" cy="992778"/>
+                </a:xfrm>
+                <a:prstGeom prst="roundRect">
+                  <a:avLst>
+                    <a:gd name="adj" fmla="val 9649"/>
+                  </a:avLst>
+                </a:prstGeom>
+                <a:noFill/>
+                <a:ln w="28575">
+                  <a:solidFill>
+                    <a:schemeClr val="tx1"/>
+                  </a:solidFill>
+                </a:ln>
+              </p:spPr>
+              <p:style>
+                <a:lnRef idx="2">
+                  <a:schemeClr val="accent1">
+                    <a:shade val="50000"/>
+                  </a:schemeClr>
+                </a:lnRef>
+                <a:fillRef idx="1">
+                  <a:schemeClr val="accent1"/>
+                </a:fillRef>
+                <a:effectRef idx="0">
+                  <a:schemeClr val="accent1"/>
+                </a:effectRef>
+                <a:fontRef idx="minor">
+                  <a:schemeClr val="lt1"/>
+                </a:fontRef>
+              </p:style>
+              <p:txBody>
+                <a:bodyPr rtlCol="0" anchor="ctr"/>
+                <a:lstStyle/>
+                <a:p>
+                  <a:pPr algn="ctr"/>
+                  <a:endParaRPr lang="ko-KR" altLang="en-US"/>
+                </a:p>
+              </p:txBody>
+            </p:sp>
+          </p:grpSp>
+        </p:grpSp>
+        <p:sp>
+          <p:nvSpPr>
+            <p:cNvPr id="20" name="TextBox 19"/>
+            <p:cNvSpPr txBox="1"/>
+            <p:nvPr/>
+          </p:nvSpPr>
+          <p:spPr>
+            <a:xfrm>
+              <a:off x="3236209" y="4672781"/>
+              <a:ext cx="958917" cy="369332"/>
+            </a:xfrm>
+            <a:prstGeom prst="rect">
+              <a:avLst/>
+            </a:prstGeom>
+            <a:noFill/>
+          </p:spPr>
+          <p:txBody>
+            <a:bodyPr wrap="none" rtlCol="0">
+              <a:spAutoFit/>
+            </a:bodyPr>
+            <a:lstStyle/>
+            <a:p>
+              <a:pPr algn="ctr"/>
+              <a:r>
+                <a:rPr lang="ko-KR" altLang="en-US" b="1" dirty="0" smtClean="0"/>
+                <a:t>버스 </a:t>
+              </a:r>
+              <a:r>
+                <a:rPr lang="ko-KR" altLang="en-US" b="1" dirty="0" err="1" smtClean="0"/>
+                <a:t>앱</a:t>
+              </a:r>
+              <a:endParaRPr lang="ko-KR" altLang="en-US" b="1" dirty="0"/>
+            </a:p>
+          </p:txBody>
+        </p:sp>
+        <p:grpSp>
+          <p:nvGrpSpPr>
+            <p:cNvPr id="25" name="그룹 24"/>
+            <p:cNvGrpSpPr/>
+            <p:nvPr/>
+          </p:nvGrpSpPr>
+          <p:grpSpPr>
+            <a:xfrm>
+              <a:off x="3202348" y="3680003"/>
+              <a:ext cx="992778" cy="992778"/>
+              <a:chOff x="3729975" y="3701901"/>
+              <a:chExt cx="992778" cy="992778"/>
+            </a:xfrm>
+          </p:grpSpPr>
+          <p:sp>
+            <p:nvSpPr>
+              <p:cNvPr id="23" name="모서리가 둥근 직사각형 22"/>
+              <p:cNvSpPr/>
+              <p:nvPr/>
+            </p:nvSpPr>
+            <p:spPr>
+              <a:xfrm>
+                <a:off x="3729975" y="3701901"/>
+                <a:ext cx="992778" cy="992778"/>
+              </a:xfrm>
+              <a:prstGeom prst="roundRect">
+                <a:avLst>
+                  <a:gd name="adj" fmla="val 9649"/>
+                </a:avLst>
+              </a:prstGeom>
+              <a:noFill/>
+              <a:ln w="28575">
+                <a:solidFill>
+                  <a:schemeClr val="tx1"/>
+                </a:solidFill>
+              </a:ln>
+            </p:spPr>
+            <p:style>
+              <a:lnRef idx="2">
+                <a:schemeClr val="accent1">
+                  <a:shade val="50000"/>
+                </a:schemeClr>
+              </a:lnRef>
+              <a:fillRef idx="1">
+                <a:schemeClr val="accent1"/>
+              </a:fillRef>
+              <a:effectRef idx="0">
+                <a:schemeClr val="accent1"/>
+              </a:effectRef>
+              <a:fontRef idx="minor">
+                <a:schemeClr val="lt1"/>
+              </a:fontRef>
+            </p:style>
+            <p:txBody>
+              <a:bodyPr rtlCol="0" anchor="ctr"/>
+              <a:lstStyle/>
+              <a:p>
+                <a:pPr algn="ctr"/>
+                <a:endParaRPr lang="ko-KR" altLang="en-US"/>
+              </a:p>
+            </p:txBody>
+          </p:sp>
+          <p:pic>
+            <p:nvPicPr>
+              <p:cNvPr id="24" name="그림 23"/>
+              <p:cNvPicPr>
+                <a:picLocks noChangeAspect="1"/>
+              </p:cNvPicPr>
+              <p:nvPr/>
+            </p:nvPicPr>
+            <p:blipFill>
+              <a:blip r:embed="rId4" cstate="print">
+                <a:extLst>
+                  <a:ext uri="{28A0092B-C50C-407E-A947-70E740481C1C}">
+                    <a14:useLocalDpi xmlns:a14="http://schemas.microsoft.com/office/drawing/2010/main" val="0"/>
+                  </a:ext>
+                </a:extLst>
+              </a:blip>
+              <a:stretch>
+                <a:fillRect/>
+              </a:stretch>
+            </p:blipFill>
+            <p:spPr>
+              <a:xfrm>
+                <a:off x="3843476" y="3815402"/>
+                <a:ext cx="765777" cy="765777"/>
+              </a:xfrm>
+              <a:prstGeom prst="rect">
+                <a:avLst/>
+              </a:prstGeom>
+            </p:spPr>
+          </p:pic>
+        </p:grpSp>
+        <p:cxnSp>
+          <p:nvCxnSpPr>
+            <p:cNvPr id="29" name="직선 화살표 연결선 28"/>
+            <p:cNvCxnSpPr/>
+            <p:nvPr/>
+          </p:nvCxnSpPr>
+          <p:spPr>
+            <a:xfrm>
+              <a:off x="3238531" y="2830577"/>
+              <a:ext cx="459294" cy="636968"/>
+            </a:xfrm>
+            <a:prstGeom prst="straightConnector1">
+              <a:avLst/>
+            </a:prstGeom>
+            <a:ln w="57150">
+              <a:solidFill>
+                <a:schemeClr val="tx1"/>
+              </a:solidFill>
+              <a:headEnd type="triangle"/>
+              <a:tailEnd type="triangle"/>
+            </a:ln>
+          </p:spPr>
+          <p:style>
+            <a:lnRef idx="1">
+              <a:schemeClr val="accent1"/>
+            </a:lnRef>
+            <a:fillRef idx="0">
+              <a:schemeClr val="accent1"/>
+            </a:fillRef>
+            <a:effectRef idx="0">
+              <a:schemeClr val="accent1"/>
+            </a:effectRef>
+            <a:fontRef idx="minor">
+              <a:schemeClr val="tx1"/>
+            </a:fontRef>
+          </p:style>
+        </p:cxnSp>
+        <p:cxnSp>
+          <p:nvCxnSpPr>
+            <p:cNvPr id="31" name="직선 화살표 연결선 30"/>
+            <p:cNvCxnSpPr/>
+            <p:nvPr/>
+          </p:nvCxnSpPr>
+          <p:spPr>
+            <a:xfrm flipH="1">
+              <a:off x="1964365" y="4173244"/>
+              <a:ext cx="1063523" cy="3148"/>
+            </a:xfrm>
+            <a:prstGeom prst="straightConnector1">
+              <a:avLst/>
+            </a:prstGeom>
+            <a:ln w="57150">
+              <a:solidFill>
+                <a:schemeClr val="tx1"/>
+              </a:solidFill>
+              <a:headEnd type="triangle"/>
+              <a:tailEnd type="triangle"/>
+            </a:ln>
+          </p:spPr>
+          <p:style>
+            <a:lnRef idx="1">
+              <a:schemeClr val="accent1"/>
+            </a:lnRef>
+            <a:fillRef idx="0">
+              <a:schemeClr val="accent1"/>
+            </a:fillRef>
+            <a:effectRef idx="0">
+              <a:schemeClr val="accent1"/>
+            </a:effectRef>
+            <a:fontRef idx="minor">
+              <a:schemeClr val="tx1"/>
+            </a:fontRef>
+          </p:style>
+        </p:cxnSp>
+      </p:grpSp>
+      <p:grpSp>
+        <p:nvGrpSpPr>
+          <p:cNvPr id="43" name="그룹 42"/>
+          <p:cNvGrpSpPr/>
+          <p:nvPr/>
+        </p:nvGrpSpPr>
+        <p:grpSpPr>
+          <a:xfrm>
+            <a:off x="7559013" y="2237301"/>
+            <a:ext cx="3063659" cy="2706294"/>
+            <a:chOff x="7559013" y="2237301"/>
+            <a:chExt cx="3063659" cy="2706294"/>
+          </a:xfrm>
+        </p:grpSpPr>
+        <p:grpSp>
+          <p:nvGrpSpPr>
+            <p:cNvPr id="40" name="그룹 39"/>
+            <p:cNvGrpSpPr/>
+            <p:nvPr/>
+          </p:nvGrpSpPr>
+          <p:grpSpPr>
+            <a:xfrm>
+              <a:off x="8047328" y="2237301"/>
+              <a:ext cx="2087030" cy="2087030"/>
+              <a:chOff x="7379187" y="2335750"/>
+              <a:chExt cx="2087030" cy="2087030"/>
+            </a:xfrm>
+          </p:grpSpPr>
+          <p:sp>
+            <p:nvSpPr>
+              <p:cNvPr id="34" name="모서리가 둥근 직사각형 33"/>
+              <p:cNvSpPr/>
+              <p:nvPr/>
+            </p:nvSpPr>
+            <p:spPr>
+              <a:xfrm>
+                <a:off x="7379187" y="2335750"/>
+                <a:ext cx="2087030" cy="2087030"/>
+              </a:xfrm>
+              <a:prstGeom prst="roundRect">
+                <a:avLst>
+                  <a:gd name="adj" fmla="val 9649"/>
+                </a:avLst>
+              </a:prstGeom>
+              <a:noFill/>
+              <a:ln w="57150">
+                <a:solidFill>
+                  <a:schemeClr val="tx1"/>
+                </a:solidFill>
+              </a:ln>
+            </p:spPr>
+            <p:style>
+              <a:lnRef idx="2">
+                <a:schemeClr val="accent1">
+                  <a:shade val="50000"/>
+                </a:schemeClr>
+              </a:lnRef>
+              <a:fillRef idx="1">
+                <a:schemeClr val="accent1"/>
+              </a:fillRef>
+              <a:effectRef idx="0">
+                <a:schemeClr val="accent1"/>
+              </a:effectRef>
+              <a:fontRef idx="minor">
+                <a:schemeClr val="lt1"/>
+              </a:fontRef>
+            </p:style>
+            <p:txBody>
+              <a:bodyPr rtlCol="0" anchor="ctr"/>
+              <a:lstStyle/>
+              <a:p>
+                <a:pPr algn="ctr"/>
+                <a:endParaRPr lang="ko-KR" altLang="en-US"/>
+              </a:p>
+            </p:txBody>
+          </p:sp>
+          <p:pic>
+            <p:nvPicPr>
+              <p:cNvPr id="37" name="그림 36"/>
+              <p:cNvPicPr>
+                <a:picLocks noChangeAspect="1"/>
+              </p:cNvPicPr>
+              <p:nvPr/>
+            </p:nvPicPr>
+            <p:blipFill rotWithShape="1">
+              <a:blip r:embed="rId5">
+                <a:extLst>
+                  <a:ext uri="{28A0092B-C50C-407E-A947-70E740481C1C}">
+                    <a14:useLocalDpi xmlns:a14="http://schemas.microsoft.com/office/drawing/2010/main" val="0"/>
+                  </a:ext>
+                </a:extLst>
+              </a:blip>
+              <a:srcRect l="16649" t="18103" r="18103" b="19843"/>
+              <a:stretch/>
+            </p:blipFill>
+            <p:spPr>
+              <a:xfrm>
+                <a:off x="7615591" y="2611672"/>
+                <a:ext cx="1614221" cy="1535189"/>
+              </a:xfrm>
+              <a:prstGeom prst="rect">
+                <a:avLst/>
+              </a:prstGeom>
+            </p:spPr>
+          </p:pic>
+        </p:grpSp>
+        <p:sp>
+          <p:nvSpPr>
+            <p:cNvPr id="41" name="TextBox 40"/>
+            <p:cNvSpPr txBox="1"/>
+            <p:nvPr/>
+          </p:nvSpPr>
+          <p:spPr>
+            <a:xfrm>
+              <a:off x="7559013" y="4481930"/>
+              <a:ext cx="3063659" cy="461665"/>
+            </a:xfrm>
+            <a:prstGeom prst="rect">
+              <a:avLst/>
+            </a:prstGeom>
+            <a:noFill/>
+          </p:spPr>
+          <p:txBody>
+            <a:bodyPr wrap="none" rtlCol="0">
+              <a:spAutoFit/>
+            </a:bodyPr>
+            <a:lstStyle/>
+            <a:p>
+              <a:pPr algn="ctr"/>
+              <a:r>
+                <a:rPr lang="ko-KR" altLang="en-US" sz="2400" b="1" dirty="0" smtClean="0"/>
+                <a:t>연계대중교통정보 </a:t>
+              </a:r>
+              <a:r>
+                <a:rPr lang="ko-KR" altLang="en-US" sz="2400" b="1" dirty="0" err="1" smtClean="0"/>
+                <a:t>앱</a:t>
+              </a:r>
+              <a:endParaRPr lang="ko-KR" altLang="en-US" sz="2400" b="1" dirty="0"/>
+            </a:p>
+          </p:txBody>
+        </p:sp>
+      </p:grpSp>
+    </p:spTree>
+    <p:extLst>
+      <p:ext uri="{BB962C8B-B14F-4D97-AF65-F5344CB8AC3E}">
+        <p14:creationId xmlns:p14="http://schemas.microsoft.com/office/powerpoint/2010/main" val="2515231889"/>
+      </p:ext>
+    </p:extLst>
+  </p:cSld>
+  <p:clrMapOvr>
+    <a:masterClrMapping/>
+  </p:clrMapOvr>
+</p:sld>
+</file>
+
+<file path=ppt/slides/slide4.xml><?xml version="1.0" encoding="utf-8"?>
+<p:sld xmlns:a="http://schemas.openxmlformats.org/drawingml/2006/main" xmlns:r="http://schemas.openxmlformats.org/officeDocument/2006/relationships" xmlns:p="http://schemas.openxmlformats.org/presentationml/2006/main">
+  <p:cSld>
+    <p:spTree>
+      <p:nvGrpSpPr>
+        <p:cNvPr id="1" name=""/>
+        <p:cNvGrpSpPr/>
+        <p:nvPr/>
+      </p:nvGrpSpPr>
+      <p:grpSpPr>
+        <a:xfrm>
+          <a:off x="0" y="0"/>
+          <a:ext cx="0" cy="0"/>
+          <a:chOff x="0" y="0"/>
+          <a:chExt cx="0" cy="0"/>
+        </a:xfrm>
+      </p:grpSpPr>
+      <p:cxnSp>
+        <p:nvCxnSpPr>
+          <p:cNvPr id="4" name="직선 연결선 3">
+            <a:extLst>
+              <a:ext uri="{FF2B5EF4-FFF2-40B4-BE49-F238E27FC236}">
+                <a16:creationId xmlns:a16="http://schemas.microsoft.com/office/drawing/2014/main" xmlns="" id="{0BE4EF44-5221-4EE3-A1A5-E35A348E95A3}"/>
+              </a:ext>
+            </a:extLst>
+          </p:cNvPr>
+          <p:cNvCxnSpPr/>
+          <p:nvPr/>
+        </p:nvCxnSpPr>
+        <p:spPr>
+          <a:xfrm>
+            <a:off x="0" y="172995"/>
+            <a:ext cx="2636108" cy="0"/>
+          </a:xfrm>
+          <a:prstGeom prst="line">
+            <a:avLst/>
+          </a:prstGeom>
+          <a:ln w="38100">
+            <a:solidFill>
+              <a:schemeClr val="tx1"/>
+            </a:solidFill>
+          </a:ln>
+        </p:spPr>
+        <p:style>
+          <a:lnRef idx="1">
+            <a:schemeClr val="accent1"/>
+          </a:lnRef>
+          <a:fillRef idx="0">
+            <a:schemeClr val="accent1"/>
+          </a:fillRef>
+          <a:effectRef idx="0">
+            <a:schemeClr val="accent1"/>
+          </a:effectRef>
+          <a:fontRef idx="minor">
+            <a:schemeClr val="tx1"/>
+          </a:fontRef>
+        </p:style>
+      </p:cxnSp>
+      <p:sp>
+        <p:nvSpPr>
+          <p:cNvPr id="5" name="TextBox 4">
+            <a:extLst>
+              <a:ext uri="{FF2B5EF4-FFF2-40B4-BE49-F238E27FC236}">
+                <a16:creationId xmlns:a16="http://schemas.microsoft.com/office/drawing/2014/main" xmlns="" id="{B690080A-2A2A-4768-B63E-E5A3F6BBE5B9}"/>
+              </a:ext>
+            </a:extLst>
+          </p:cNvPr>
+          <p:cNvSpPr txBox="1"/>
+          <p:nvPr/>
+        </p:nvSpPr>
+        <p:spPr>
+          <a:xfrm>
+            <a:off x="328157" y="255374"/>
+            <a:ext cx="902811" cy="523220"/>
+          </a:xfrm>
+          <a:prstGeom prst="rect">
+            <a:avLst/>
+          </a:prstGeom>
+          <a:noFill/>
+        </p:spPr>
+        <p:txBody>
+          <a:bodyPr wrap="none" rtlCol="0">
+            <a:spAutoFit/>
+          </a:bodyPr>
+          <a:lstStyle/>
+          <a:p>
+            <a:r>
+              <a:rPr lang="ko-KR" altLang="en-US" sz="2800" b="1" dirty="0"/>
+              <a:t>목표</a:t>
+            </a:r>
+          </a:p>
+        </p:txBody>
+      </p:sp>
+      <p:sp>
+        <p:nvSpPr>
+          <p:cNvPr id="6" name="TextBox 5">
+            <a:extLst>
+              <a:ext uri="{FF2B5EF4-FFF2-40B4-BE49-F238E27FC236}">
+                <a16:creationId xmlns:a16="http://schemas.microsoft.com/office/drawing/2014/main" xmlns="" id="{0CB5B581-DEFB-4DE9-AFBA-80CADCD5B5D1}"/>
+              </a:ext>
+            </a:extLst>
+          </p:cNvPr>
+          <p:cNvSpPr txBox="1"/>
+          <p:nvPr/>
+        </p:nvSpPr>
+        <p:spPr>
+          <a:xfrm>
+            <a:off x="1677525" y="4303170"/>
+            <a:ext cx="8836950" cy="400110"/>
+          </a:xfrm>
+          <a:prstGeom prst="rect">
+            <a:avLst/>
+          </a:prstGeom>
+          <a:noFill/>
+        </p:spPr>
+        <p:txBody>
+          <a:bodyPr wrap="square" rtlCol="0">
+            <a:spAutoFit/>
+          </a:bodyPr>
+          <a:lstStyle/>
+          <a:p>
+            <a:r>
+              <a:rPr lang="ko-KR" altLang="en-US" sz="2000" dirty="0"/>
+              <a:t>지하철 시간과 버스 정류장 위치를 지도와 </a:t>
+            </a:r>
+            <a:r>
+              <a:rPr lang="en-US" altLang="ko-KR" sz="2000" dirty="0"/>
+              <a:t>GUI</a:t>
+            </a:r>
+            <a:r>
+              <a:rPr lang="ko-KR" altLang="en-US" sz="2000" dirty="0"/>
+              <a:t>를 통해 보여주도록 한다</a:t>
+            </a:r>
+            <a:r>
+              <a:rPr lang="en-US" altLang="ko-KR" sz="2000" dirty="0"/>
+              <a:t>.</a:t>
+            </a:r>
+            <a:endParaRPr lang="ko-KR" altLang="en-US" sz="2000" dirty="0"/>
+          </a:p>
+        </p:txBody>
+      </p:sp>
+      <p:grpSp>
+        <p:nvGrpSpPr>
+          <p:cNvPr id="16" name="그룹 15"/>
+          <p:cNvGrpSpPr/>
+          <p:nvPr/>
+        </p:nvGrpSpPr>
+        <p:grpSpPr>
+          <a:xfrm>
+            <a:off x="1987804" y="2525486"/>
+            <a:ext cx="8216393" cy="1493520"/>
+            <a:chOff x="997276" y="2525486"/>
+            <a:chExt cx="8216393" cy="1493520"/>
+          </a:xfrm>
+        </p:grpSpPr>
+        <p:pic>
+          <p:nvPicPr>
+            <p:cNvPr id="2" name="그림 1"/>
+            <p:cNvPicPr>
+              <a:picLocks noChangeAspect="1"/>
+            </p:cNvPicPr>
+            <p:nvPr/>
+          </p:nvPicPr>
+          <p:blipFill>
+            <a:blip r:embed="rId2">
+              <a:extLst>
+                <a:ext uri="{28A0092B-C50C-407E-A947-70E740481C1C}">
+                  <a14:useLocalDpi xmlns:a14="http://schemas.microsoft.com/office/drawing/2010/main" val="0"/>
+                </a:ext>
+              </a:extLst>
+            </a:blip>
+            <a:stretch>
+              <a:fillRect/>
+            </a:stretch>
+          </p:blipFill>
+          <p:spPr>
+            <a:xfrm>
+              <a:off x="997276" y="2525486"/>
+              <a:ext cx="1493520" cy="1493520"/>
+            </a:xfrm>
+            <a:prstGeom prst="rect">
+              <a:avLst/>
+            </a:prstGeom>
+          </p:spPr>
+        </p:pic>
+        <p:pic>
+          <p:nvPicPr>
+            <p:cNvPr id="7" name="그림 6"/>
+            <p:cNvPicPr>
+              <a:picLocks noChangeAspect="1"/>
+            </p:cNvPicPr>
+            <p:nvPr/>
+          </p:nvPicPr>
+          <p:blipFill>
+            <a:blip r:embed="rId3">
+              <a:extLst>
+                <a:ext uri="{28A0092B-C50C-407E-A947-70E740481C1C}">
+                  <a14:useLocalDpi xmlns:a14="http://schemas.microsoft.com/office/drawing/2010/main" val="0"/>
+                </a:ext>
+              </a:extLst>
+            </a:blip>
+            <a:stretch>
+              <a:fillRect/>
+            </a:stretch>
+          </p:blipFill>
+          <p:spPr>
+            <a:xfrm>
+              <a:off x="4180206" y="2553808"/>
+              <a:ext cx="1436877" cy="1436877"/>
+            </a:xfrm>
+            <a:prstGeom prst="rect">
+              <a:avLst/>
+            </a:prstGeom>
+          </p:spPr>
+        </p:pic>
+        <p:sp>
+          <p:nvSpPr>
+            <p:cNvPr id="8" name="덧셈 기호 7"/>
+            <p:cNvSpPr/>
+            <p:nvPr/>
+          </p:nvSpPr>
+          <p:spPr>
+            <a:xfrm>
+              <a:off x="2765089" y="2701834"/>
+              <a:ext cx="1140824" cy="1140824"/>
+            </a:xfrm>
+            <a:prstGeom prst="mathPlus">
+              <a:avLst>
+                <a:gd name="adj1" fmla="val 4472"/>
+              </a:avLst>
+            </a:prstGeom>
+            <a:solidFill>
+              <a:schemeClr val="tx1"/>
+            </a:solidFill>
+            <a:ln>
+              <a:noFill/>
+            </a:ln>
+          </p:spPr>
+          <p:style>
+            <a:lnRef idx="2">
+              <a:schemeClr val="accent1">
+                <a:shade val="50000"/>
+              </a:schemeClr>
+            </a:lnRef>
+            <a:fillRef idx="1">
+              <a:schemeClr val="accent1"/>
+            </a:fillRef>
+            <a:effectRef idx="0">
+              <a:schemeClr val="accent1"/>
+            </a:effectRef>
+            <a:fontRef idx="minor">
+              <a:schemeClr val="lt1"/>
+            </a:fontRef>
+          </p:style>
+          <p:txBody>
+            <a:bodyPr rtlCol="0" anchor="ctr"/>
+            <a:lstStyle/>
+            <a:p>
+              <a:pPr algn="ctr"/>
+              <a:endParaRPr lang="ko-KR" altLang="en-US"/>
+            </a:p>
+          </p:txBody>
+        </p:sp>
+        <p:sp>
+          <p:nvSpPr>
+            <p:cNvPr id="9" name="등호 8"/>
+            <p:cNvSpPr/>
+            <p:nvPr/>
+          </p:nvSpPr>
+          <p:spPr>
+            <a:xfrm>
+              <a:off x="5891376" y="2889069"/>
+              <a:ext cx="1262743" cy="766355"/>
+            </a:xfrm>
+            <a:prstGeom prst="mathEqual">
+              <a:avLst>
+                <a:gd name="adj1" fmla="val 13293"/>
+                <a:gd name="adj2" fmla="val 23124"/>
+              </a:avLst>
+            </a:prstGeom>
+            <a:solidFill>
+              <a:schemeClr val="tx1"/>
+            </a:solidFill>
+            <a:ln>
+              <a:noFill/>
+            </a:ln>
+          </p:spPr>
+          <p:style>
+            <a:lnRef idx="2">
+              <a:schemeClr val="accent1">
+                <a:shade val="50000"/>
+              </a:schemeClr>
+            </a:lnRef>
+            <a:fillRef idx="1">
+              <a:schemeClr val="accent1"/>
+            </a:fillRef>
+            <a:effectRef idx="0">
+              <a:schemeClr val="accent1"/>
+            </a:effectRef>
+            <a:fontRef idx="minor">
+              <a:schemeClr val="lt1"/>
+            </a:fontRef>
+          </p:style>
+          <p:txBody>
+            <a:bodyPr rtlCol="0" anchor="ctr"/>
+            <a:lstStyle/>
+            <a:p>
+              <a:pPr algn="ctr"/>
+              <a:endParaRPr lang="ko-KR" altLang="en-US">
+                <a:solidFill>
+                  <a:schemeClr val="tx1"/>
+                </a:solidFill>
+              </a:endParaRPr>
+            </a:p>
+          </p:txBody>
+        </p:sp>
+        <p:grpSp>
+          <p:nvGrpSpPr>
+            <p:cNvPr id="15" name="그룹 14"/>
+            <p:cNvGrpSpPr/>
+            <p:nvPr/>
+          </p:nvGrpSpPr>
+          <p:grpSpPr>
+            <a:xfrm>
+              <a:off x="7428412" y="2613660"/>
+              <a:ext cx="1785257" cy="1317172"/>
+              <a:chOff x="7428412" y="2701835"/>
+              <a:chExt cx="1785257" cy="1317172"/>
+            </a:xfrm>
+          </p:grpSpPr>
+          <p:sp>
+            <p:nvSpPr>
+              <p:cNvPr id="10" name="모서리가 둥근 직사각형 9"/>
+              <p:cNvSpPr/>
+              <p:nvPr/>
+            </p:nvSpPr>
+            <p:spPr>
+              <a:xfrm>
+                <a:off x="7428412" y="2701835"/>
+                <a:ext cx="1785257" cy="1317172"/>
+              </a:xfrm>
+              <a:prstGeom prst="roundRect">
+                <a:avLst>
+                  <a:gd name="adj" fmla="val 6533"/>
+                </a:avLst>
+              </a:prstGeom>
+              <a:solidFill>
+                <a:schemeClr val="tx1"/>
+              </a:solidFill>
+              <a:ln>
+                <a:noFill/>
+              </a:ln>
+            </p:spPr>
+            <p:style>
+              <a:lnRef idx="2">
+                <a:schemeClr val="accent1">
+                  <a:shade val="50000"/>
+                </a:schemeClr>
+              </a:lnRef>
+              <a:fillRef idx="1">
+                <a:schemeClr val="accent1"/>
+              </a:fillRef>
+              <a:effectRef idx="0">
+                <a:schemeClr val="accent1"/>
+              </a:effectRef>
+              <a:fontRef idx="minor">
+                <a:schemeClr val="lt1"/>
+              </a:fontRef>
+            </p:style>
+            <p:txBody>
+              <a:bodyPr rtlCol="0" anchor="ctr"/>
+              <a:lstStyle/>
+              <a:p>
+                <a:pPr algn="ctr"/>
+                <a:endParaRPr lang="ko-KR" altLang="en-US"/>
+              </a:p>
+            </p:txBody>
+          </p:sp>
+          <p:sp>
+            <p:nvSpPr>
+              <p:cNvPr id="11" name="직사각형 10"/>
+              <p:cNvSpPr/>
+              <p:nvPr/>
+            </p:nvSpPr>
+            <p:spPr>
+              <a:xfrm>
+                <a:off x="7506789" y="2917379"/>
+                <a:ext cx="1628503" cy="1029771"/>
+              </a:xfrm>
+              <a:prstGeom prst="rect">
+                <a:avLst/>
+              </a:prstGeom>
+              <a:solidFill>
+                <a:schemeClr val="bg1"/>
+              </a:solidFill>
+              <a:ln>
+                <a:noFill/>
+              </a:ln>
+            </p:spPr>
+            <p:style>
+              <a:lnRef idx="2">
+                <a:schemeClr val="accent1">
+                  <a:shade val="50000"/>
+                </a:schemeClr>
+              </a:lnRef>
+              <a:fillRef idx="1">
+                <a:schemeClr val="accent1"/>
+              </a:fillRef>
+              <a:effectRef idx="0">
+                <a:schemeClr val="accent1"/>
+              </a:effectRef>
+              <a:fontRef idx="minor">
+                <a:schemeClr val="lt1"/>
+              </a:fontRef>
+            </p:style>
+            <p:txBody>
+              <a:bodyPr rtlCol="0" anchor="ctr"/>
+              <a:lstStyle/>
+              <a:p>
+                <a:pPr algn="ctr"/>
+                <a:endParaRPr lang="ko-KR" altLang="en-US"/>
+              </a:p>
+            </p:txBody>
+          </p:sp>
+          <p:sp>
+            <p:nvSpPr>
+              <p:cNvPr id="13" name="직사각형 12"/>
+              <p:cNvSpPr/>
+              <p:nvPr/>
+            </p:nvSpPr>
+            <p:spPr>
+              <a:xfrm>
+                <a:off x="9022079" y="2758439"/>
+                <a:ext cx="113212" cy="113212"/>
+              </a:xfrm>
+              <a:prstGeom prst="rect">
+                <a:avLst/>
+              </a:prstGeom>
+              <a:solidFill>
+                <a:schemeClr val="bg1"/>
+              </a:solidFill>
+              <a:ln>
+                <a:noFill/>
+              </a:ln>
+            </p:spPr>
+            <p:style>
+              <a:lnRef idx="2">
+                <a:schemeClr val="accent1">
+                  <a:shade val="50000"/>
+                </a:schemeClr>
+              </a:lnRef>
+              <a:fillRef idx="1">
+                <a:schemeClr val="accent1"/>
+              </a:fillRef>
+              <a:effectRef idx="0">
+                <a:schemeClr val="accent1"/>
+              </a:effectRef>
+              <a:fontRef idx="minor">
+                <a:schemeClr val="lt1"/>
+              </a:fontRef>
+            </p:style>
+            <p:txBody>
+              <a:bodyPr rtlCol="0" anchor="ctr"/>
+              <a:lstStyle/>
+              <a:p>
+                <a:pPr algn="ctr"/>
+                <a:endParaRPr lang="ko-KR" altLang="en-US"/>
+              </a:p>
+            </p:txBody>
+          </p:sp>
+        </p:grpSp>
+      </p:grpSp>
+    </p:spTree>
+    <p:extLst>
+      <p:ext uri="{BB962C8B-B14F-4D97-AF65-F5344CB8AC3E}">
+        <p14:creationId xmlns:p14="http://schemas.microsoft.com/office/powerpoint/2010/main" val="3935915446"/>
+      </p:ext>
+    </p:extLst>
+  </p:cSld>
+  <p:clrMapOvr>
+    <a:masterClrMapping/>
+  </p:clrMapOvr>
+</p:sld>
+</file>
+
+<file path=ppt/slides/slide5.xml><?xml version="1.0" encoding="utf-8"?>
 <p:sld xmlns:a="http://schemas.openxmlformats.org/drawingml/2006/main" xmlns:r="http://schemas.openxmlformats.org/officeDocument/2006/relationships" xmlns:p="http://schemas.openxmlformats.org/presentationml/2006/main">
   <p:cSld>
     <p:spTree>
@@ -4266,7 +5286,7 @@
       </p:sp>
       <p:grpSp>
         <p:nvGrpSpPr>
-          <p:cNvPr id="21" name="그룹 20"/>
+          <p:cNvPr id="2" name="그룹 1"/>
           <p:cNvGrpSpPr/>
           <p:nvPr/>
         </p:nvGrpSpPr>
@@ -4274,7 +5294,7 @@
           <a:xfrm>
             <a:off x="2282364" y="860972"/>
             <a:ext cx="7627272" cy="5613266"/>
-            <a:chOff x="1775424" y="1199322"/>
+            <a:chOff x="2282364" y="860972"/>
             <a:chExt cx="7627272" cy="5613266"/>
           </a:xfrm>
         </p:grpSpPr>
@@ -4286,7 +5306,7 @@
           </p:nvGrpSpPr>
           <p:grpSpPr>
             <a:xfrm>
-              <a:off x="1775424" y="1199322"/>
+              <a:off x="2282364" y="860972"/>
               <a:ext cx="2392000" cy="2596269"/>
               <a:chOff x="840492" y="2086675"/>
               <a:chExt cx="2392000" cy="2596269"/>
@@ -4346,26 +5366,25 @@
               <a:p>
                 <a:pPr algn="ctr"/>
                 <a:r>
-                  <a:rPr lang="ko-KR" altLang="en-US" sz="2400" b="1" dirty="0" smtClean="0"/>
+                  <a:rPr lang="ko-KR" altLang="en-US" sz="2400" b="1" dirty="0"/>
                   <a:t>검색 기능</a:t>
                 </a:r>
-                <a:endParaRPr lang="en-US" altLang="ko-KR" sz="2400" b="1" dirty="0" smtClean="0"/>
+                <a:endParaRPr lang="en-US" altLang="ko-KR" sz="2400" b="1" dirty="0"/>
               </a:p>
               <a:p>
                 <a:pPr algn="ctr"/>
                 <a:r>
-                  <a:rPr lang="ko-KR" altLang="en-US" dirty="0" smtClean="0"/>
+                  <a:rPr lang="ko-KR" altLang="en-US" dirty="0"/>
                   <a:t>공공 데이터 </a:t>
                 </a:r>
                 <a:r>
-                  <a:rPr lang="en-US" altLang="ko-KR" dirty="0" smtClean="0"/>
+                  <a:rPr lang="en-US" altLang="ko-KR" dirty="0"/>
                   <a:t>API </a:t>
                 </a:r>
                 <a:r>
-                  <a:rPr lang="ko-KR" altLang="en-US" dirty="0" smtClean="0"/>
+                  <a:rPr lang="ko-KR" altLang="en-US" dirty="0"/>
                   <a:t>활용</a:t>
                 </a:r>
-                <a:endParaRPr lang="ko-KR" altLang="en-US" dirty="0"/>
               </a:p>
             </p:txBody>
           </p:sp>
@@ -4378,7 +5397,7 @@
           </p:nvGrpSpPr>
           <p:grpSpPr>
             <a:xfrm>
-              <a:off x="4752279" y="1199322"/>
+              <a:off x="5259219" y="860972"/>
               <a:ext cx="2392001" cy="2596269"/>
               <a:chOff x="2937051" y="2086675"/>
               <a:chExt cx="2392001" cy="2596269"/>
@@ -4438,26 +5457,25 @@
               <a:p>
                 <a:pPr algn="ctr"/>
                 <a:r>
-                  <a:rPr lang="ko-KR" altLang="en-US" sz="2400" b="1" dirty="0" smtClean="0"/>
+                  <a:rPr lang="ko-KR" altLang="en-US" sz="2400" b="1" dirty="0"/>
                   <a:t>시간표</a:t>
                 </a:r>
-                <a:endParaRPr lang="en-US" altLang="ko-KR" sz="2400" b="1" dirty="0" smtClean="0"/>
+                <a:endParaRPr lang="en-US" altLang="ko-KR" sz="2400" b="1" dirty="0"/>
               </a:p>
               <a:p>
                 <a:pPr algn="ctr"/>
                 <a:r>
-                  <a:rPr lang="ko-KR" altLang="en-US" dirty="0" smtClean="0"/>
+                  <a:rPr lang="ko-KR" altLang="en-US" dirty="0"/>
                   <a:t>공공 데이터 </a:t>
                 </a:r>
                 <a:r>
-                  <a:rPr lang="en-US" altLang="ko-KR" dirty="0" smtClean="0"/>
+                  <a:rPr lang="en-US" altLang="ko-KR" dirty="0"/>
                   <a:t>API </a:t>
                 </a:r>
                 <a:r>
-                  <a:rPr lang="ko-KR" altLang="en-US" dirty="0" smtClean="0"/>
+                  <a:rPr lang="ko-KR" altLang="en-US" dirty="0"/>
                   <a:t>활용</a:t>
                 </a:r>
-                <a:endParaRPr lang="ko-KR" altLang="en-US" dirty="0"/>
               </a:p>
             </p:txBody>
           </p:sp>
@@ -4470,7 +5488,7 @@
           </p:nvGrpSpPr>
           <p:grpSpPr>
             <a:xfrm>
-              <a:off x="7965819" y="1199322"/>
+              <a:off x="8472759" y="860972"/>
               <a:ext cx="1436877" cy="2596269"/>
               <a:chOff x="5511172" y="2086675"/>
               <a:chExt cx="1436877" cy="2596269"/>
@@ -4530,18 +5548,17 @@
               <a:p>
                 <a:pPr algn="ctr"/>
                 <a:r>
-                  <a:rPr lang="ko-KR" altLang="en-US" sz="2400" b="1" dirty="0" smtClean="0"/>
+                  <a:rPr lang="ko-KR" altLang="en-US" sz="2400" b="1" dirty="0"/>
                   <a:t>노선도</a:t>
                 </a:r>
-                <a:endParaRPr lang="en-US" altLang="ko-KR" sz="2400" b="1" dirty="0" smtClean="0"/>
+                <a:endParaRPr lang="en-US" altLang="ko-KR" sz="2400" b="1" dirty="0"/>
               </a:p>
               <a:p>
                 <a:pPr algn="ctr"/>
                 <a:r>
-                  <a:rPr lang="ko-KR" altLang="en-US" dirty="0" smtClean="0"/>
+                  <a:rPr lang="ko-KR" altLang="en-US" dirty="0"/>
                   <a:t>이미지 활용</a:t>
                 </a:r>
-                <a:endParaRPr lang="ko-KR" altLang="en-US" dirty="0"/>
               </a:p>
             </p:txBody>
           </p:sp>
@@ -4568,7 +5585,7 @@
           </p:blipFill>
           <p:spPr>
             <a:xfrm>
-              <a:off x="3957807" y="4216319"/>
+              <a:off x="4464747" y="3877969"/>
               <a:ext cx="1436877" cy="1436877"/>
             </a:xfrm>
             <a:prstGeom prst="rect">
@@ -4598,7 +5615,7 @@
           </p:blipFill>
           <p:spPr>
             <a:xfrm>
-              <a:off x="6425842" y="4216319"/>
+              <a:off x="6932782" y="3877969"/>
               <a:ext cx="1436877" cy="1436877"/>
             </a:xfrm>
             <a:prstGeom prst="rect">
@@ -4614,7 +5631,7 @@
           </p:nvSpPr>
           <p:spPr>
             <a:xfrm>
-              <a:off x="3968360" y="6073924"/>
+              <a:off x="4475300" y="5735574"/>
               <a:ext cx="1415773" cy="461665"/>
             </a:xfrm>
             <a:prstGeom prst="rect">
@@ -4630,10 +5647,10 @@
             <a:p>
               <a:pPr algn="ctr"/>
               <a:r>
-                <a:rPr lang="ko-KR" altLang="en-US" sz="2400" b="1" dirty="0" err="1" smtClean="0"/>
+                <a:rPr lang="ko-KR" altLang="en-US" sz="2400" b="1" dirty="0" err="1"/>
                 <a:t>알람시간</a:t>
               </a:r>
-              <a:endParaRPr lang="en-US" altLang="ko-KR" sz="2400" b="1" dirty="0" smtClean="0"/>
+              <a:endParaRPr lang="en-US" altLang="ko-KR" sz="2400" b="1" dirty="0"/>
             </a:p>
           </p:txBody>
         </p:sp>
@@ -4645,7 +5662,7 @@
           </p:nvSpPr>
           <p:spPr>
             <a:xfrm>
-              <a:off x="6436394" y="6073924"/>
+              <a:off x="6943334" y="5735574"/>
               <a:ext cx="1415772" cy="738664"/>
             </a:xfrm>
             <a:prstGeom prst="rect">
@@ -4661,18 +5678,18 @@
             <a:p>
               <a:pPr algn="ctr"/>
               <a:r>
-                <a:rPr lang="ko-KR" altLang="en-US" sz="2400" b="1" dirty="0" smtClean="0"/>
+                <a:rPr lang="ko-KR" altLang="en-US" sz="2400" b="1" dirty="0"/>
                 <a:t>위치보기</a:t>
               </a:r>
-              <a:endParaRPr lang="en-US" altLang="ko-KR" sz="2400" b="1" dirty="0" smtClean="0"/>
+              <a:endParaRPr lang="en-US" altLang="ko-KR" sz="2400" b="1" dirty="0"/>
             </a:p>
             <a:p>
               <a:pPr algn="ctr"/>
               <a:r>
-                <a:rPr lang="ko-KR" altLang="en-US" dirty="0" smtClean="0"/>
+                <a:rPr lang="ko-KR" altLang="en-US" dirty="0"/>
                 <a:t>지도 활용</a:t>
               </a:r>
-              <a:endParaRPr lang="en-US" altLang="ko-KR" b="1" dirty="0" smtClean="0"/>
+              <a:endParaRPr lang="en-US" altLang="ko-KR" b="1" dirty="0"/>
             </a:p>
           </p:txBody>
         </p:sp>
@@ -4690,7 +5707,960 @@
 </p:sld>
 </file>
 
-<file path=ppt/slides/slide4.xml><?xml version="1.0" encoding="utf-8"?>
+<file path=ppt/slides/slide6.xml><?xml version="1.0" encoding="utf-8"?>
+<p:sld xmlns:a="http://schemas.openxmlformats.org/drawingml/2006/main" xmlns:r="http://schemas.openxmlformats.org/officeDocument/2006/relationships" xmlns:p="http://schemas.openxmlformats.org/presentationml/2006/main">
+  <p:cSld>
+    <p:spTree>
+      <p:nvGrpSpPr>
+        <p:cNvPr id="1" name=""/>
+        <p:cNvGrpSpPr/>
+        <p:nvPr/>
+      </p:nvGrpSpPr>
+      <p:grpSpPr>
+        <a:xfrm>
+          <a:off x="0" y="0"/>
+          <a:ext cx="0" cy="0"/>
+          <a:chOff x="0" y="0"/>
+          <a:chExt cx="0" cy="0"/>
+        </a:xfrm>
+      </p:grpSpPr>
+      <p:cxnSp>
+        <p:nvCxnSpPr>
+          <p:cNvPr id="4" name="직선 연결선 3">
+            <a:extLst>
+              <a:ext uri="{FF2B5EF4-FFF2-40B4-BE49-F238E27FC236}">
+                <a16:creationId xmlns:a16="http://schemas.microsoft.com/office/drawing/2014/main" xmlns="" id="{20A5F8B9-4D29-4AFF-AC96-9CCAB3805E07}"/>
+              </a:ext>
+            </a:extLst>
+          </p:cNvPr>
+          <p:cNvCxnSpPr/>
+          <p:nvPr/>
+        </p:nvCxnSpPr>
+        <p:spPr>
+          <a:xfrm>
+            <a:off x="0" y="172995"/>
+            <a:ext cx="2636108" cy="0"/>
+          </a:xfrm>
+          <a:prstGeom prst="line">
+            <a:avLst/>
+          </a:prstGeom>
+          <a:ln w="38100">
+            <a:solidFill>
+              <a:schemeClr val="tx1"/>
+            </a:solidFill>
+          </a:ln>
+        </p:spPr>
+        <p:style>
+          <a:lnRef idx="1">
+            <a:schemeClr val="accent1"/>
+          </a:lnRef>
+          <a:fillRef idx="0">
+            <a:schemeClr val="accent1"/>
+          </a:fillRef>
+          <a:effectRef idx="0">
+            <a:schemeClr val="accent1"/>
+          </a:effectRef>
+          <a:fontRef idx="minor">
+            <a:schemeClr val="tx1"/>
+          </a:fontRef>
+        </p:style>
+      </p:cxnSp>
+      <p:sp>
+        <p:nvSpPr>
+          <p:cNvPr id="5" name="TextBox 4">
+            <a:extLst>
+              <a:ext uri="{FF2B5EF4-FFF2-40B4-BE49-F238E27FC236}">
+                <a16:creationId xmlns:a16="http://schemas.microsoft.com/office/drawing/2014/main" xmlns="" id="{2D4EC77A-DEAB-4A3B-B8DA-A37F047CF332}"/>
+              </a:ext>
+            </a:extLst>
+          </p:cNvPr>
+          <p:cNvSpPr txBox="1"/>
+          <p:nvPr/>
+        </p:nvSpPr>
+        <p:spPr>
+          <a:xfrm>
+            <a:off x="328157" y="255374"/>
+            <a:ext cx="1620957" cy="523220"/>
+          </a:xfrm>
+          <a:prstGeom prst="rect">
+            <a:avLst/>
+          </a:prstGeom>
+          <a:noFill/>
+        </p:spPr>
+        <p:txBody>
+          <a:bodyPr wrap="none" rtlCol="0">
+            <a:spAutoFit/>
+          </a:bodyPr>
+          <a:lstStyle/>
+          <a:p>
+            <a:r>
+              <a:rPr lang="ko-KR" altLang="en-US" sz="2800" b="1" dirty="0"/>
+              <a:t>기술사용</a:t>
+            </a:r>
+          </a:p>
+        </p:txBody>
+      </p:sp>
+      <p:sp>
+        <p:nvSpPr>
+          <p:cNvPr id="6" name="TextBox 5">
+            <a:extLst>
+              <a:ext uri="{FF2B5EF4-FFF2-40B4-BE49-F238E27FC236}">
+                <a16:creationId xmlns:a16="http://schemas.microsoft.com/office/drawing/2014/main" xmlns="" id="{67F7FEEA-F44B-4EBB-96AD-254D9B9E2CDB}"/>
+              </a:ext>
+            </a:extLst>
+          </p:cNvPr>
+          <p:cNvSpPr txBox="1"/>
+          <p:nvPr/>
+        </p:nvSpPr>
+        <p:spPr>
+          <a:xfrm>
+            <a:off x="1471259" y="4514449"/>
+            <a:ext cx="9249483" cy="1015663"/>
+          </a:xfrm>
+          <a:prstGeom prst="rect">
+            <a:avLst/>
+          </a:prstGeom>
+          <a:noFill/>
+        </p:spPr>
+        <p:txBody>
+          <a:bodyPr wrap="square" rtlCol="0">
+            <a:spAutoFit/>
+          </a:bodyPr>
+          <a:lstStyle/>
+          <a:p>
+            <a:r>
+              <a:rPr lang="ko-KR" altLang="en-US" sz="2000" dirty="0"/>
+              <a:t>서울 </a:t>
+            </a:r>
+            <a:r>
+              <a:rPr lang="ko-KR" altLang="en-US" sz="2000" dirty="0" err="1" smtClean="0"/>
+              <a:t>열린데이터광장을</a:t>
+            </a:r>
+            <a:r>
+              <a:rPr lang="ko-KR" altLang="en-US" sz="2000" dirty="0" smtClean="0"/>
+              <a:t> </a:t>
+            </a:r>
+            <a:r>
+              <a:rPr lang="ko-KR" altLang="en-US" sz="2000" dirty="0"/>
+              <a:t>통하여 실시간 지하철 정보</a:t>
+            </a:r>
+            <a:r>
+              <a:rPr lang="en-US" altLang="ko-KR" sz="2000" dirty="0"/>
+              <a:t>API</a:t>
+            </a:r>
+            <a:r>
+              <a:rPr lang="ko-KR" altLang="en-US" sz="2000" dirty="0"/>
+              <a:t>를 </a:t>
+            </a:r>
+            <a:r>
+              <a:rPr lang="ko-KR" altLang="en-US" sz="2000" dirty="0" smtClean="0"/>
+              <a:t>사용하고</a:t>
+            </a:r>
+            <a:r>
+              <a:rPr lang="en-US" altLang="ko-KR" sz="2000" dirty="0" smtClean="0"/>
+              <a:t>,</a:t>
+            </a:r>
+          </a:p>
+          <a:p>
+            <a:r>
+              <a:rPr lang="ko-KR" altLang="en-US" sz="2000" dirty="0" smtClean="0"/>
+              <a:t>서울시 </a:t>
+            </a:r>
+            <a:r>
+              <a:rPr lang="ko-KR" altLang="en-US" sz="2000" dirty="0"/>
+              <a:t>버스 정류장 위치를 </a:t>
+            </a:r>
+            <a:r>
+              <a:rPr lang="ko-KR" altLang="en-US" sz="2000" dirty="0" err="1"/>
+              <a:t>크롤링</a:t>
+            </a:r>
+            <a:r>
+              <a:rPr lang="ko-KR" altLang="en-US" sz="2000" dirty="0"/>
+              <a:t> 하여 위치의 </a:t>
+            </a:r>
+            <a:r>
+              <a:rPr lang="en-US" altLang="ko-KR" sz="2000" dirty="0"/>
+              <a:t>X,Y</a:t>
+            </a:r>
+            <a:r>
+              <a:rPr lang="ko-KR" altLang="en-US" sz="2000" dirty="0"/>
+              <a:t>값을 알아 낸다</a:t>
+            </a:r>
+            <a:r>
+              <a:rPr lang="en-US" altLang="ko-KR" sz="2000" dirty="0" smtClean="0"/>
+              <a:t>.</a:t>
+            </a:r>
+          </a:p>
+          <a:p>
+            <a:r>
+              <a:rPr lang="ko-KR" altLang="en-US" sz="2000" dirty="0" err="1" smtClean="0"/>
+              <a:t>파이썬</a:t>
+            </a:r>
+            <a:r>
+              <a:rPr lang="ko-KR" altLang="en-US" sz="2000" dirty="0" smtClean="0"/>
+              <a:t> </a:t>
+            </a:r>
+            <a:r>
+              <a:rPr lang="en-US" altLang="ko-KR" sz="2000" dirty="0"/>
+              <a:t>PIP folium </a:t>
+            </a:r>
+            <a:r>
+              <a:rPr lang="ko-KR" altLang="en-US" sz="2000" dirty="0"/>
+              <a:t>를 사용하여 버스정류장과 지하철역사를 지도로 보여준다</a:t>
+            </a:r>
+            <a:r>
+              <a:rPr lang="en-US" altLang="ko-KR" sz="2000" dirty="0" smtClean="0"/>
+              <a:t>.</a:t>
+            </a:r>
+            <a:endParaRPr lang="en-US" altLang="ko-KR" sz="2000" dirty="0"/>
+          </a:p>
+        </p:txBody>
+      </p:sp>
+      <p:grpSp>
+        <p:nvGrpSpPr>
+          <p:cNvPr id="15" name="그룹 14"/>
+          <p:cNvGrpSpPr/>
+          <p:nvPr/>
+        </p:nvGrpSpPr>
+        <p:grpSpPr>
+          <a:xfrm>
+            <a:off x="2752957" y="1872343"/>
+            <a:ext cx="6686087" cy="2365813"/>
+            <a:chOff x="1338531" y="1872343"/>
+            <a:chExt cx="6686087" cy="2365813"/>
+          </a:xfrm>
+        </p:grpSpPr>
+        <p:pic>
+          <p:nvPicPr>
+            <p:cNvPr id="1026" name="Picture 2" descr="Innovation! 기존의 틀을 깬 공식맵들 : 네이버 포스트"/>
+            <p:cNvPicPr>
+              <a:picLocks noChangeAspect="1" noChangeArrowheads="1"/>
+            </p:cNvPicPr>
+            <p:nvPr/>
+          </p:nvPicPr>
+          <p:blipFill rotWithShape="1">
+            <a:blip r:embed="rId2" cstate="print">
+              <a:extLst>
+                <a:ext uri="{28A0092B-C50C-407E-A947-70E740481C1C}">
+                  <a14:useLocalDpi xmlns:a14="http://schemas.microsoft.com/office/drawing/2010/main" val="0"/>
+                </a:ext>
+              </a:extLst>
+            </a:blip>
+            <a:srcRect l="792" t="1092" r="50995" b="44389"/>
+            <a:stretch/>
+          </p:blipFill>
+          <p:spPr bwMode="auto">
+            <a:xfrm>
+              <a:off x="6747180" y="2935151"/>
+              <a:ext cx="520700" cy="516490"/>
+            </a:xfrm>
+            <a:prstGeom prst="rect">
+              <a:avLst/>
+            </a:prstGeom>
+            <a:noFill/>
+            <a:extLst>
+              <a:ext uri="{909E8E84-426E-40DD-AFC4-6F175D3DCCD1}">
+                <a14:hiddenFill xmlns:a14="http://schemas.microsoft.com/office/drawing/2010/main">
+                  <a:solidFill>
+                    <a:srgbClr val="FFFFFF"/>
+                  </a:solidFill>
+                </a14:hiddenFill>
+              </a:ext>
+            </a:extLst>
+          </p:spPr>
+        </p:pic>
+        <p:grpSp>
+          <p:nvGrpSpPr>
+            <p:cNvPr id="14" name="그룹 13"/>
+            <p:cNvGrpSpPr/>
+            <p:nvPr/>
+          </p:nvGrpSpPr>
+          <p:grpSpPr>
+            <a:xfrm>
+              <a:off x="1338531" y="1872343"/>
+              <a:ext cx="3172663" cy="2365813"/>
+              <a:chOff x="1338531" y="1872343"/>
+              <a:chExt cx="3172663" cy="2365813"/>
+            </a:xfrm>
+          </p:grpSpPr>
+          <p:pic>
+            <p:nvPicPr>
+              <p:cNvPr id="8" name="그림 7"/>
+              <p:cNvPicPr>
+                <a:picLocks noChangeAspect="1"/>
+              </p:cNvPicPr>
+              <p:nvPr/>
+            </p:nvPicPr>
+            <p:blipFill>
+              <a:blip r:embed="rId3" cstate="print">
+                <a:extLst>
+                  <a:ext uri="{28A0092B-C50C-407E-A947-70E740481C1C}">
+                    <a14:useLocalDpi xmlns:a14="http://schemas.microsoft.com/office/drawing/2010/main" val="0"/>
+                  </a:ext>
+                </a:extLst>
+              </a:blip>
+              <a:stretch>
+                <a:fillRect/>
+              </a:stretch>
+            </p:blipFill>
+            <p:spPr>
+              <a:xfrm>
+                <a:off x="1938986" y="1872343"/>
+                <a:ext cx="1971752" cy="1754776"/>
+              </a:xfrm>
+              <a:prstGeom prst="rect">
+                <a:avLst/>
+              </a:prstGeom>
+            </p:spPr>
+          </p:pic>
+          <p:sp>
+            <p:nvSpPr>
+              <p:cNvPr id="9" name="TextBox 8"/>
+              <p:cNvSpPr txBox="1"/>
+              <p:nvPr/>
+            </p:nvSpPr>
+            <p:spPr>
+              <a:xfrm>
+                <a:off x="1338531" y="3776491"/>
+                <a:ext cx="3172663" cy="461665"/>
+              </a:xfrm>
+              <a:prstGeom prst="rect">
+                <a:avLst/>
+              </a:prstGeom>
+              <a:noFill/>
+            </p:spPr>
+            <p:txBody>
+              <a:bodyPr wrap="none" rtlCol="0">
+                <a:spAutoFit/>
+              </a:bodyPr>
+              <a:lstStyle/>
+              <a:p>
+                <a:r>
+                  <a:rPr lang="ko-KR" altLang="en-US" sz="2400" b="1" dirty="0" smtClean="0"/>
+                  <a:t>서울 </a:t>
+                </a:r>
+                <a:r>
+                  <a:rPr lang="ko-KR" altLang="en-US" sz="2400" b="1" dirty="0" err="1" smtClean="0"/>
+                  <a:t>열린데이터</a:t>
+                </a:r>
+                <a:r>
+                  <a:rPr lang="ko-KR" altLang="en-US" sz="2400" b="1" dirty="0" smtClean="0"/>
+                  <a:t> 광장</a:t>
+                </a:r>
+                <a:endParaRPr lang="ko-KR" altLang="en-US" sz="2400" b="1" dirty="0"/>
+              </a:p>
+            </p:txBody>
+          </p:sp>
+        </p:grpSp>
+        <p:grpSp>
+          <p:nvGrpSpPr>
+            <p:cNvPr id="13" name="그룹 12"/>
+            <p:cNvGrpSpPr/>
+            <p:nvPr/>
+          </p:nvGrpSpPr>
+          <p:grpSpPr>
+            <a:xfrm>
+              <a:off x="6269842" y="1872343"/>
+              <a:ext cx="1754776" cy="2365813"/>
+              <a:chOff x="6269842" y="1872343"/>
+              <a:chExt cx="1754776" cy="2365813"/>
+            </a:xfrm>
+          </p:grpSpPr>
+          <p:pic>
+            <p:nvPicPr>
+              <p:cNvPr id="11" name="그림 10"/>
+              <p:cNvPicPr>
+                <a:picLocks noChangeAspect="1"/>
+              </p:cNvPicPr>
+              <p:nvPr/>
+            </p:nvPicPr>
+            <p:blipFill>
+              <a:blip r:embed="rId4" cstate="print">
+                <a:extLst>
+                  <a:ext uri="{28A0092B-C50C-407E-A947-70E740481C1C}">
+                    <a14:useLocalDpi xmlns:a14="http://schemas.microsoft.com/office/drawing/2010/main" val="0"/>
+                  </a:ext>
+                </a:extLst>
+              </a:blip>
+              <a:stretch>
+                <a:fillRect/>
+              </a:stretch>
+            </p:blipFill>
+            <p:spPr>
+              <a:xfrm>
+                <a:off x="6269842" y="1872343"/>
+                <a:ext cx="1754776" cy="1754776"/>
+              </a:xfrm>
+              <a:prstGeom prst="rect">
+                <a:avLst/>
+              </a:prstGeom>
+            </p:spPr>
+          </p:pic>
+          <p:sp>
+            <p:nvSpPr>
+              <p:cNvPr id="12" name="TextBox 11"/>
+              <p:cNvSpPr txBox="1"/>
+              <p:nvPr/>
+            </p:nvSpPr>
+            <p:spPr>
+              <a:xfrm>
+                <a:off x="6535236" y="3776491"/>
+                <a:ext cx="1223989" cy="461665"/>
+              </a:xfrm>
+              <a:prstGeom prst="rect">
+                <a:avLst/>
+              </a:prstGeom>
+              <a:noFill/>
+            </p:spPr>
+            <p:txBody>
+              <a:bodyPr wrap="none" rtlCol="0">
+                <a:spAutoFit/>
+              </a:bodyPr>
+              <a:lstStyle/>
+              <a:p>
+                <a:r>
+                  <a:rPr lang="en-US" altLang="ko-KR" sz="2400" b="1" dirty="0" smtClean="0"/>
+                  <a:t>Python</a:t>
+                </a:r>
+                <a:endParaRPr lang="ko-KR" altLang="en-US" sz="2400" b="1" dirty="0"/>
+              </a:p>
+            </p:txBody>
+          </p:sp>
+        </p:grpSp>
+      </p:grpSp>
+    </p:spTree>
+    <p:extLst>
+      <p:ext uri="{BB962C8B-B14F-4D97-AF65-F5344CB8AC3E}">
+        <p14:creationId xmlns:p14="http://schemas.microsoft.com/office/powerpoint/2010/main" val="1435295424"/>
+      </p:ext>
+    </p:extLst>
+  </p:cSld>
+  <p:clrMapOvr>
+    <a:masterClrMapping/>
+  </p:clrMapOvr>
+</p:sld>
+</file>
+
+<file path=ppt/slides/slide7.xml><?xml version="1.0" encoding="utf-8"?>
+<p:sld xmlns:a="http://schemas.openxmlformats.org/drawingml/2006/main" xmlns:r="http://schemas.openxmlformats.org/officeDocument/2006/relationships" xmlns:p="http://schemas.openxmlformats.org/presentationml/2006/main">
+  <p:cSld>
+    <p:spTree>
+      <p:nvGrpSpPr>
+        <p:cNvPr id="1" name=""/>
+        <p:cNvGrpSpPr/>
+        <p:nvPr/>
+      </p:nvGrpSpPr>
+      <p:grpSpPr>
+        <a:xfrm>
+          <a:off x="0" y="0"/>
+          <a:ext cx="0" cy="0"/>
+          <a:chOff x="0" y="0"/>
+          <a:chExt cx="0" cy="0"/>
+        </a:xfrm>
+      </p:grpSpPr>
+      <p:cxnSp>
+        <p:nvCxnSpPr>
+          <p:cNvPr id="13" name="직선 연결선 12"/>
+          <p:cNvCxnSpPr/>
+          <p:nvPr/>
+        </p:nvCxnSpPr>
+        <p:spPr>
+          <a:xfrm>
+            <a:off x="0" y="172995"/>
+            <a:ext cx="2636108" cy="0"/>
+          </a:xfrm>
+          <a:prstGeom prst="line">
+            <a:avLst/>
+          </a:prstGeom>
+          <a:ln w="38100">
+            <a:solidFill>
+              <a:schemeClr val="tx1"/>
+            </a:solidFill>
+          </a:ln>
+        </p:spPr>
+        <p:style>
+          <a:lnRef idx="1">
+            <a:schemeClr val="accent1"/>
+          </a:lnRef>
+          <a:fillRef idx="0">
+            <a:schemeClr val="accent1"/>
+          </a:fillRef>
+          <a:effectRef idx="0">
+            <a:schemeClr val="accent1"/>
+          </a:effectRef>
+          <a:fontRef idx="minor">
+            <a:schemeClr val="tx1"/>
+          </a:fontRef>
+        </p:style>
+      </p:cxnSp>
+      <p:sp>
+        <p:nvSpPr>
+          <p:cNvPr id="15" name="TextBox 14"/>
+          <p:cNvSpPr txBox="1"/>
+          <p:nvPr/>
+        </p:nvSpPr>
+        <p:spPr>
+          <a:xfrm>
+            <a:off x="328157" y="255374"/>
+            <a:ext cx="2121093" cy="523220"/>
+          </a:xfrm>
+          <a:prstGeom prst="rect">
+            <a:avLst/>
+          </a:prstGeom>
+          <a:noFill/>
+        </p:spPr>
+        <p:txBody>
+          <a:bodyPr wrap="none" rtlCol="0">
+            <a:spAutoFit/>
+          </a:bodyPr>
+          <a:lstStyle/>
+          <a:p>
+            <a:r>
+              <a:rPr lang="ko-KR" altLang="en-US" sz="2800" b="1" dirty="0"/>
+              <a:t>프로젝트 </a:t>
+            </a:r>
+            <a:r>
+              <a:rPr lang="en-US" altLang="ko-KR" sz="2800" b="1" dirty="0"/>
+              <a:t>UI</a:t>
+            </a:r>
+            <a:endParaRPr lang="ko-KR" altLang="en-US" sz="2800" b="1" dirty="0"/>
+          </a:p>
+        </p:txBody>
+      </p:sp>
+      <p:sp>
+        <p:nvSpPr>
+          <p:cNvPr id="2" name="직사각형 1">
+            <a:extLst>
+              <a:ext uri="{FF2B5EF4-FFF2-40B4-BE49-F238E27FC236}">
+                <a16:creationId xmlns:a16="http://schemas.microsoft.com/office/drawing/2014/main" xmlns="" id="{70FE2C87-92EF-452B-AC6A-FA8AF0546EB2}"/>
+              </a:ext>
+            </a:extLst>
+          </p:cNvPr>
+          <p:cNvSpPr/>
+          <p:nvPr/>
+        </p:nvSpPr>
+        <p:spPr>
+          <a:xfrm>
+            <a:off x="3069387" y="1174131"/>
+            <a:ext cx="6392410" cy="4530046"/>
+          </a:xfrm>
+          <a:prstGeom prst="rect">
+            <a:avLst/>
+          </a:prstGeom>
+          <a:ln w="19050">
+            <a:solidFill>
+              <a:schemeClr val="tx1"/>
+            </a:solidFill>
+          </a:ln>
+        </p:spPr>
+        <p:style>
+          <a:lnRef idx="2">
+            <a:schemeClr val="dk1"/>
+          </a:lnRef>
+          <a:fillRef idx="1">
+            <a:schemeClr val="lt1"/>
+          </a:fillRef>
+          <a:effectRef idx="0">
+            <a:schemeClr val="dk1"/>
+          </a:effectRef>
+          <a:fontRef idx="minor">
+            <a:schemeClr val="dk1"/>
+          </a:fontRef>
+        </p:style>
+        <p:txBody>
+          <a:bodyPr rtlCol="0" anchor="ctr"/>
+          <a:lstStyle/>
+          <a:p>
+            <a:pPr algn="ctr"/>
+            <a:endParaRPr lang="ko-KR" altLang="en-US" dirty="0"/>
+          </a:p>
+        </p:txBody>
+      </p:sp>
+      <p:sp>
+        <p:nvSpPr>
+          <p:cNvPr id="3" name="직사각형 2">
+            <a:extLst>
+              <a:ext uri="{FF2B5EF4-FFF2-40B4-BE49-F238E27FC236}">
+                <a16:creationId xmlns:a16="http://schemas.microsoft.com/office/drawing/2014/main" xmlns="" id="{81C6D8A2-F14E-462E-98E2-4FA0FDAD4B67}"/>
+              </a:ext>
+            </a:extLst>
+          </p:cNvPr>
+          <p:cNvSpPr/>
+          <p:nvPr/>
+        </p:nvSpPr>
+        <p:spPr>
+          <a:xfrm>
+            <a:off x="3405476" y="2613801"/>
+            <a:ext cx="2977720" cy="2844188"/>
+          </a:xfrm>
+          <a:prstGeom prst="rect">
+            <a:avLst/>
+          </a:prstGeom>
+          <a:noFill/>
+          <a:ln w="19050">
+            <a:solidFill>
+              <a:schemeClr val="tx1"/>
+            </a:solidFill>
+          </a:ln>
+        </p:spPr>
+        <p:style>
+          <a:lnRef idx="2">
+            <a:schemeClr val="dk1"/>
+          </a:lnRef>
+          <a:fillRef idx="1">
+            <a:schemeClr val="lt1"/>
+          </a:fillRef>
+          <a:effectRef idx="0">
+            <a:schemeClr val="dk1"/>
+          </a:effectRef>
+          <a:fontRef idx="minor">
+            <a:schemeClr val="dk1"/>
+          </a:fontRef>
+        </p:style>
+        <p:txBody>
+          <a:bodyPr rtlCol="0" anchor="ctr"/>
+          <a:lstStyle/>
+          <a:p>
+            <a:pPr algn="ctr"/>
+            <a:r>
+              <a:rPr lang="ko-KR" altLang="en-US" dirty="0"/>
+              <a:t>시간표</a:t>
+            </a:r>
+          </a:p>
+        </p:txBody>
+      </p:sp>
+      <p:sp>
+        <p:nvSpPr>
+          <p:cNvPr id="8" name="직사각형 7">
+            <a:extLst>
+              <a:ext uri="{FF2B5EF4-FFF2-40B4-BE49-F238E27FC236}">
+                <a16:creationId xmlns:a16="http://schemas.microsoft.com/office/drawing/2014/main" xmlns="" id="{930B586D-08BE-48D8-82AB-8D2255D8F8F0}"/>
+              </a:ext>
+            </a:extLst>
+          </p:cNvPr>
+          <p:cNvSpPr/>
+          <p:nvPr/>
+        </p:nvSpPr>
+        <p:spPr>
+          <a:xfrm>
+            <a:off x="3405476" y="2144331"/>
+            <a:ext cx="1807280" cy="323844"/>
+          </a:xfrm>
+          <a:prstGeom prst="rect">
+            <a:avLst/>
+          </a:prstGeom>
+          <a:noFill/>
+          <a:ln w="19050">
+            <a:solidFill>
+              <a:schemeClr val="tx1"/>
+            </a:solidFill>
+          </a:ln>
+        </p:spPr>
+        <p:style>
+          <a:lnRef idx="2">
+            <a:schemeClr val="dk1"/>
+          </a:lnRef>
+          <a:fillRef idx="1">
+            <a:schemeClr val="lt1"/>
+          </a:fillRef>
+          <a:effectRef idx="0">
+            <a:schemeClr val="dk1"/>
+          </a:effectRef>
+          <a:fontRef idx="minor">
+            <a:schemeClr val="dk1"/>
+          </a:fontRef>
+        </p:style>
+        <p:txBody>
+          <a:bodyPr rtlCol="0" anchor="ctr"/>
+          <a:lstStyle/>
+          <a:p>
+            <a:pPr algn="ctr"/>
+            <a:r>
+              <a:rPr lang="ko-KR" altLang="en-US" dirty="0"/>
+              <a:t>역 이름</a:t>
+            </a:r>
+          </a:p>
+        </p:txBody>
+      </p:sp>
+      <p:sp>
+        <p:nvSpPr>
+          <p:cNvPr id="14" name="직사각형 13">
+            <a:extLst>
+              <a:ext uri="{FF2B5EF4-FFF2-40B4-BE49-F238E27FC236}">
+                <a16:creationId xmlns:a16="http://schemas.microsoft.com/office/drawing/2014/main" xmlns="" id="{FDD304F8-A859-4B12-8E86-5C03E0C0B39D}"/>
+              </a:ext>
+            </a:extLst>
+          </p:cNvPr>
+          <p:cNvSpPr/>
+          <p:nvPr/>
+        </p:nvSpPr>
+        <p:spPr>
+          <a:xfrm>
+            <a:off x="5356897" y="2144331"/>
+            <a:ext cx="1026299" cy="323844"/>
+          </a:xfrm>
+          <a:prstGeom prst="rect">
+            <a:avLst/>
+          </a:prstGeom>
+          <a:noFill/>
+          <a:ln w="19050">
+            <a:solidFill>
+              <a:schemeClr val="tx1"/>
+            </a:solidFill>
+          </a:ln>
+        </p:spPr>
+        <p:style>
+          <a:lnRef idx="2">
+            <a:schemeClr val="dk1"/>
+          </a:lnRef>
+          <a:fillRef idx="1">
+            <a:schemeClr val="lt1"/>
+          </a:fillRef>
+          <a:effectRef idx="0">
+            <a:schemeClr val="dk1"/>
+          </a:effectRef>
+          <a:fontRef idx="minor">
+            <a:schemeClr val="dk1"/>
+          </a:fontRef>
+        </p:style>
+        <p:txBody>
+          <a:bodyPr rtlCol="0" anchor="ctr"/>
+          <a:lstStyle/>
+          <a:p>
+            <a:pPr algn="ctr"/>
+            <a:r>
+              <a:rPr lang="ko-KR" altLang="en-US" dirty="0"/>
+              <a:t>상</a:t>
+            </a:r>
+            <a:r>
+              <a:rPr lang="en-US" altLang="ko-KR" dirty="0"/>
+              <a:t>/</a:t>
+            </a:r>
+            <a:r>
+              <a:rPr lang="ko-KR" altLang="en-US" dirty="0"/>
+              <a:t>하행</a:t>
+            </a:r>
+          </a:p>
+        </p:txBody>
+      </p:sp>
+      <p:sp>
+        <p:nvSpPr>
+          <p:cNvPr id="10" name="TextBox 9">
+            <a:extLst>
+              <a:ext uri="{FF2B5EF4-FFF2-40B4-BE49-F238E27FC236}">
+                <a16:creationId xmlns:a16="http://schemas.microsoft.com/office/drawing/2014/main" xmlns="" id="{D7B81E91-6BD5-4A04-A9F5-384F2D72C6C0}"/>
+              </a:ext>
+            </a:extLst>
+          </p:cNvPr>
+          <p:cNvSpPr txBox="1"/>
+          <p:nvPr/>
+        </p:nvSpPr>
+        <p:spPr>
+          <a:xfrm>
+            <a:off x="4437828" y="1420319"/>
+            <a:ext cx="4039422" cy="369332"/>
+          </a:xfrm>
+          <a:prstGeom prst="rect">
+            <a:avLst/>
+          </a:prstGeom>
+          <a:noFill/>
+          <a:ln w="19050">
+            <a:solidFill>
+              <a:schemeClr val="tx1"/>
+            </a:solidFill>
+          </a:ln>
+        </p:spPr>
+        <p:txBody>
+          <a:bodyPr wrap="square" rtlCol="0">
+            <a:spAutoFit/>
+          </a:bodyPr>
+          <a:lstStyle/>
+          <a:p>
+            <a:pPr algn="ctr"/>
+            <a:r>
+              <a:rPr lang="en-US" altLang="ko-KR" b="1" dirty="0"/>
+              <a:t>4</a:t>
+            </a:r>
+            <a:r>
+              <a:rPr lang="ko-KR" altLang="en-US" b="1" dirty="0"/>
+              <a:t>호선 지하철 시간표</a:t>
+            </a:r>
+          </a:p>
+        </p:txBody>
+      </p:sp>
+      <p:sp>
+        <p:nvSpPr>
+          <p:cNvPr id="11" name="직사각형 10">
+            <a:extLst>
+              <a:ext uri="{FF2B5EF4-FFF2-40B4-BE49-F238E27FC236}">
+                <a16:creationId xmlns:a16="http://schemas.microsoft.com/office/drawing/2014/main" xmlns="" id="{4897C5ED-A7A2-4BAA-B727-D1983CD740D2}"/>
+              </a:ext>
+            </a:extLst>
+          </p:cNvPr>
+          <p:cNvSpPr/>
+          <p:nvPr/>
+        </p:nvSpPr>
+        <p:spPr>
+          <a:xfrm>
+            <a:off x="6815917" y="3719495"/>
+            <a:ext cx="2309771" cy="948956"/>
+          </a:xfrm>
+          <a:prstGeom prst="rect">
+            <a:avLst/>
+          </a:prstGeom>
+          <a:noFill/>
+          <a:ln w="19050">
+            <a:solidFill>
+              <a:schemeClr val="tx1"/>
+            </a:solidFill>
+          </a:ln>
+        </p:spPr>
+        <p:style>
+          <a:lnRef idx="2">
+            <a:schemeClr val="dk1"/>
+          </a:lnRef>
+          <a:fillRef idx="1">
+            <a:schemeClr val="lt1"/>
+          </a:fillRef>
+          <a:effectRef idx="0">
+            <a:schemeClr val="dk1"/>
+          </a:effectRef>
+          <a:fontRef idx="minor">
+            <a:schemeClr val="dk1"/>
+          </a:fontRef>
+        </p:style>
+        <p:txBody>
+          <a:bodyPr rtlCol="0" anchor="ctr"/>
+          <a:lstStyle/>
+          <a:p>
+            <a:pPr algn="ctr"/>
+            <a:r>
+              <a:rPr lang="ko-KR" altLang="en-US" dirty="0"/>
+              <a:t>알람 시간</a:t>
+            </a:r>
+          </a:p>
+        </p:txBody>
+      </p:sp>
+      <p:sp>
+        <p:nvSpPr>
+          <p:cNvPr id="17" name="직사각형 16">
+            <a:extLst>
+              <a:ext uri="{FF2B5EF4-FFF2-40B4-BE49-F238E27FC236}">
+                <a16:creationId xmlns:a16="http://schemas.microsoft.com/office/drawing/2014/main" xmlns="" id="{DDD56ACE-4EED-4A2E-B905-EF72617AC7DE}"/>
+              </a:ext>
+            </a:extLst>
+          </p:cNvPr>
+          <p:cNvSpPr/>
+          <p:nvPr/>
+        </p:nvSpPr>
+        <p:spPr>
+          <a:xfrm>
+            <a:off x="6815917" y="5063220"/>
+            <a:ext cx="2309771" cy="371213"/>
+          </a:xfrm>
+          <a:prstGeom prst="rect">
+            <a:avLst/>
+          </a:prstGeom>
+          <a:noFill/>
+          <a:ln w="19050">
+            <a:solidFill>
+              <a:schemeClr val="tx1"/>
+            </a:solidFill>
+          </a:ln>
+        </p:spPr>
+        <p:style>
+          <a:lnRef idx="2">
+            <a:schemeClr val="dk1"/>
+          </a:lnRef>
+          <a:fillRef idx="1">
+            <a:schemeClr val="lt1"/>
+          </a:fillRef>
+          <a:effectRef idx="0">
+            <a:schemeClr val="dk1"/>
+          </a:effectRef>
+          <a:fontRef idx="minor">
+            <a:schemeClr val="dk1"/>
+          </a:fontRef>
+        </p:style>
+        <p:txBody>
+          <a:bodyPr rtlCol="0" anchor="ctr"/>
+          <a:lstStyle/>
+          <a:p>
+            <a:pPr algn="ctr"/>
+            <a:r>
+              <a:rPr lang="ko-KR" altLang="en-US" dirty="0"/>
+              <a:t>위치 보기</a:t>
+            </a:r>
+          </a:p>
+        </p:txBody>
+      </p:sp>
+      <p:sp>
+        <p:nvSpPr>
+          <p:cNvPr id="18" name="직사각형 17">
+            <a:extLst>
+              <a:ext uri="{FF2B5EF4-FFF2-40B4-BE49-F238E27FC236}">
+                <a16:creationId xmlns:a16="http://schemas.microsoft.com/office/drawing/2014/main" xmlns="" id="{2ED8A7B4-D697-4546-9784-6253DDD572FE}"/>
+              </a:ext>
+            </a:extLst>
+          </p:cNvPr>
+          <p:cNvSpPr/>
+          <p:nvPr/>
+        </p:nvSpPr>
+        <p:spPr>
+          <a:xfrm>
+            <a:off x="6815938" y="2144331"/>
+            <a:ext cx="2309771" cy="1524699"/>
+          </a:xfrm>
+          <a:prstGeom prst="rect">
+            <a:avLst/>
+          </a:prstGeom>
+          <a:noFill/>
+          <a:ln w="19050">
+            <a:solidFill>
+              <a:schemeClr val="tx1"/>
+            </a:solidFill>
+          </a:ln>
+        </p:spPr>
+        <p:style>
+          <a:lnRef idx="2">
+            <a:schemeClr val="dk1"/>
+          </a:lnRef>
+          <a:fillRef idx="1">
+            <a:schemeClr val="lt1"/>
+          </a:fillRef>
+          <a:effectRef idx="0">
+            <a:schemeClr val="dk1"/>
+          </a:effectRef>
+          <a:fontRef idx="minor">
+            <a:schemeClr val="dk1"/>
+          </a:fontRef>
+        </p:style>
+        <p:txBody>
+          <a:bodyPr rtlCol="0" anchor="ctr"/>
+          <a:lstStyle/>
+          <a:p>
+            <a:pPr algn="ctr"/>
+            <a:r>
+              <a:rPr lang="ko-KR" altLang="en-US" dirty="0"/>
+              <a:t>노선도</a:t>
+            </a:r>
+          </a:p>
+        </p:txBody>
+      </p:sp>
+    </p:spTree>
+    <p:extLst>
+      <p:ext uri="{BB962C8B-B14F-4D97-AF65-F5344CB8AC3E}">
+        <p14:creationId xmlns:p14="http://schemas.microsoft.com/office/powerpoint/2010/main" val="2896311364"/>
+      </p:ext>
+    </p:extLst>
+  </p:cSld>
+  <p:clrMapOvr>
+    <a:masterClrMapping/>
+  </p:clrMapOvr>
+</p:sld>
+</file>
+
+<file path=ppt/slides/slide8.xml><?xml version="1.0" encoding="utf-8"?>
 <p:sld xmlns:a="http://schemas.openxmlformats.org/drawingml/2006/main" xmlns:r="http://schemas.openxmlformats.org/officeDocument/2006/relationships" xmlns:p="http://schemas.openxmlformats.org/presentationml/2006/main">
   <p:cSld>
     <p:spTree>
@@ -4889,14 +6859,13 @@
             <a:lstStyle/>
             <a:p>
               <a:r>
-                <a:rPr lang="en-US" altLang="ko-KR" b="1" dirty="0" smtClean="0"/>
+                <a:rPr lang="en-US" altLang="ko-KR" b="1" dirty="0"/>
                 <a:t>1</a:t>
               </a:r>
               <a:r>
-                <a:rPr lang="ko-KR" altLang="en-US" b="1" dirty="0" smtClean="0"/>
+                <a:rPr lang="ko-KR" altLang="en-US" b="1" dirty="0"/>
                 <a:t>주</a:t>
               </a:r>
-              <a:endParaRPr lang="ko-KR" altLang="en-US" b="1" dirty="0"/>
             </a:p>
           </p:txBody>
         </p:sp>
@@ -4923,14 +6892,13 @@
             <a:lstStyle/>
             <a:p>
               <a:r>
-                <a:rPr lang="en-US" altLang="ko-KR" b="1" dirty="0" smtClean="0"/>
+                <a:rPr lang="en-US" altLang="ko-KR" b="1" dirty="0"/>
                 <a:t>2</a:t>
               </a:r>
               <a:r>
-                <a:rPr lang="ko-KR" altLang="en-US" b="1" dirty="0" smtClean="0"/>
+                <a:rPr lang="ko-KR" altLang="en-US" b="1" dirty="0"/>
                 <a:t>주</a:t>
               </a:r>
-              <a:endParaRPr lang="ko-KR" altLang="en-US" b="1" dirty="0"/>
             </a:p>
           </p:txBody>
         </p:sp>
@@ -4957,14 +6925,13 @@
             <a:lstStyle/>
             <a:p>
               <a:r>
-                <a:rPr lang="en-US" altLang="ko-KR" b="1" dirty="0" smtClean="0"/>
+                <a:rPr lang="en-US" altLang="ko-KR" b="1" dirty="0"/>
                 <a:t>3</a:t>
               </a:r>
               <a:r>
-                <a:rPr lang="ko-KR" altLang="en-US" b="1" dirty="0" smtClean="0"/>
+                <a:rPr lang="ko-KR" altLang="en-US" b="1" dirty="0"/>
                 <a:t>주</a:t>
               </a:r>
-              <a:endParaRPr lang="ko-KR" altLang="en-US" b="1" dirty="0"/>
             </a:p>
           </p:txBody>
         </p:sp>
@@ -4991,14 +6958,13 @@
             <a:lstStyle/>
             <a:p>
               <a:r>
-                <a:rPr lang="en-US" altLang="ko-KR" b="1" dirty="0" smtClean="0"/>
+                <a:rPr lang="en-US" altLang="ko-KR" b="1" dirty="0"/>
                 <a:t>4</a:t>
               </a:r>
               <a:r>
-                <a:rPr lang="ko-KR" altLang="en-US" b="1" dirty="0" smtClean="0"/>
+                <a:rPr lang="ko-KR" altLang="en-US" b="1" dirty="0"/>
                 <a:t>주</a:t>
               </a:r>
-              <a:endParaRPr lang="ko-KR" altLang="en-US" b="1" dirty="0"/>
             </a:p>
           </p:txBody>
         </p:sp>
@@ -5025,14 +6991,13 @@
             <a:lstStyle/>
             <a:p>
               <a:r>
-                <a:rPr lang="en-US" altLang="ko-KR" b="1" dirty="0" smtClean="0"/>
+                <a:rPr lang="en-US" altLang="ko-KR" b="1" dirty="0"/>
                 <a:t>5</a:t>
               </a:r>
               <a:r>
-                <a:rPr lang="ko-KR" altLang="en-US" b="1" dirty="0" smtClean="0"/>
+                <a:rPr lang="ko-KR" altLang="en-US" b="1" dirty="0"/>
                 <a:t>주</a:t>
               </a:r>
-              <a:endParaRPr lang="ko-KR" altLang="en-US" b="1" dirty="0"/>
             </a:p>
           </p:txBody>
         </p:sp>
@@ -5045,7 +7010,7 @@
           <p:spPr>
             <a:xfrm>
               <a:off x="91019" y="4314825"/>
-              <a:ext cx="3215945" cy="369332"/>
+              <a:ext cx="3265638" cy="369332"/>
             </a:xfrm>
             <a:prstGeom prst="rect">
               <a:avLst/>
@@ -5059,42 +7024,37 @@
             <a:lstStyle/>
             <a:p>
               <a:r>
-                <a:rPr lang="ko-KR" altLang="en-US" dirty="0" smtClean="0"/>
+                <a:rPr lang="ko-KR" altLang="en-US" dirty="0"/>
                 <a:t>기획</a:t>
               </a:r>
               <a:r>
-                <a:rPr lang="en-US" altLang="ko-KR" dirty="0" smtClean="0"/>
+                <a:rPr lang="en-US" altLang="ko-KR" dirty="0"/>
                 <a:t>, </a:t>
               </a:r>
               <a:r>
-                <a:rPr lang="en-US" altLang="ko-KR" dirty="0" err="1" smtClean="0"/>
+                <a:rPr lang="en-US" altLang="ko-KR" dirty="0" err="1"/>
                 <a:t>OpenAPI</a:t>
               </a:r>
               <a:r>
-                <a:rPr lang="en-US" altLang="ko-KR" dirty="0" smtClean="0"/>
+                <a:rPr lang="en-US" altLang="ko-KR" dirty="0"/>
                 <a:t> </a:t>
               </a:r>
               <a:r>
-                <a:rPr lang="ko-KR" altLang="en-US" dirty="0" smtClean="0"/>
+                <a:rPr lang="ko-KR" altLang="en-US" dirty="0"/>
                 <a:t>조사</a:t>
               </a:r>
               <a:r>
-                <a:rPr lang="en-US" altLang="ko-KR" dirty="0" smtClean="0"/>
+                <a:rPr lang="en-US" altLang="ko-KR" dirty="0"/>
                 <a:t>, </a:t>
               </a:r>
               <a:r>
-                <a:rPr lang="en-US" altLang="ko-KR" dirty="0" err="1" smtClean="0"/>
-                <a:t>Git</a:t>
+                <a:rPr lang="en-US" altLang="ko-KR" dirty="0" smtClean="0"/>
+                <a:t>GIT </a:t>
               </a:r>
               <a:r>
-                <a:rPr lang="en-US" altLang="ko-KR" dirty="0" smtClean="0"/>
-                <a:t> </a:t>
-              </a:r>
-              <a:r>
-                <a:rPr lang="ko-KR" altLang="en-US" dirty="0" smtClean="0"/>
+                <a:rPr lang="ko-KR" altLang="en-US" dirty="0"/>
                 <a:t>생성</a:t>
               </a:r>
-              <a:endParaRPr lang="ko-KR" altLang="en-US" dirty="0"/>
             </a:p>
           </p:txBody>
         </p:sp>
@@ -5156,26 +7116,25 @@
             <a:lstStyle/>
             <a:p>
               <a:r>
-                <a:rPr lang="ko-KR" altLang="en-US" dirty="0" smtClean="0"/>
+                <a:rPr lang="ko-KR" altLang="en-US" dirty="0"/>
                 <a:t>기획 발표</a:t>
               </a:r>
               <a:r>
-                <a:rPr lang="en-US" altLang="ko-KR" dirty="0" smtClean="0"/>
+                <a:rPr lang="en-US" altLang="ko-KR" dirty="0"/>
                 <a:t>, </a:t>
               </a:r>
               <a:r>
-                <a:rPr lang="ko-KR" altLang="en-US" dirty="0" smtClean="0"/>
+                <a:rPr lang="ko-KR" altLang="en-US" dirty="0"/>
                 <a:t>필요기능 활용</a:t>
               </a:r>
               <a:r>
-                <a:rPr lang="en-US" altLang="ko-KR" dirty="0" smtClean="0"/>
+                <a:rPr lang="en-US" altLang="ko-KR" dirty="0"/>
                 <a:t>, </a:t>
               </a:r>
               <a:r>
-                <a:rPr lang="ko-KR" altLang="en-US" dirty="0" smtClean="0"/>
+                <a:rPr lang="ko-KR" altLang="en-US" dirty="0"/>
                 <a:t>구현 방법</a:t>
               </a:r>
-              <a:endParaRPr lang="ko-KR" altLang="en-US" dirty="0"/>
             </a:p>
           </p:txBody>
         </p:sp>
@@ -5237,18 +7196,17 @@
             <a:lstStyle/>
             <a:p>
               <a:r>
-                <a:rPr lang="en-US" altLang="ko-KR" dirty="0" err="1" smtClean="0"/>
+                <a:rPr lang="en-US" altLang="ko-KR" dirty="0" err="1"/>
                 <a:t>OpenAPI</a:t>
               </a:r>
               <a:r>
-                <a:rPr lang="en-US" altLang="ko-KR" dirty="0" smtClean="0"/>
+                <a:rPr lang="en-US" altLang="ko-KR" dirty="0"/>
                 <a:t> </a:t>
               </a:r>
               <a:r>
-                <a:rPr lang="ko-KR" altLang="en-US" dirty="0" smtClean="0"/>
+                <a:rPr lang="ko-KR" altLang="en-US" dirty="0"/>
                 <a:t>연동 구현</a:t>
               </a:r>
-              <a:endParaRPr lang="ko-KR" altLang="en-US" dirty="0"/>
             </a:p>
           </p:txBody>
         </p:sp>
@@ -5310,26 +7268,25 @@
             <a:lstStyle/>
             <a:p>
               <a:r>
-                <a:rPr lang="ko-KR" altLang="en-US" dirty="0" smtClean="0"/>
+                <a:rPr lang="ko-KR" altLang="en-US" dirty="0"/>
                 <a:t>검색기능</a:t>
               </a:r>
               <a:r>
-                <a:rPr lang="en-US" altLang="ko-KR" dirty="0" smtClean="0"/>
+                <a:rPr lang="en-US" altLang="ko-KR" dirty="0"/>
                 <a:t>, </a:t>
               </a:r>
               <a:r>
-                <a:rPr lang="ko-KR" altLang="en-US" dirty="0" smtClean="0"/>
+                <a:rPr lang="ko-KR" altLang="en-US" dirty="0"/>
                 <a:t>지도 구현</a:t>
               </a:r>
               <a:r>
-                <a:rPr lang="en-US" altLang="ko-KR" dirty="0" smtClean="0"/>
+                <a:rPr lang="en-US" altLang="ko-KR" dirty="0"/>
                 <a:t>, 2</a:t>
               </a:r>
               <a:r>
-                <a:rPr lang="ko-KR" altLang="en-US" dirty="0" smtClean="0"/>
+                <a:rPr lang="ko-KR" altLang="en-US" dirty="0"/>
                 <a:t>차 발표</a:t>
               </a:r>
-              <a:endParaRPr lang="ko-KR" altLang="en-US" dirty="0"/>
             </a:p>
           </p:txBody>
         </p:sp>
@@ -5391,36 +7348,35 @@
             <a:lstStyle/>
             <a:p>
               <a:r>
-                <a:rPr lang="en-US" altLang="ko-KR" dirty="0" smtClean="0"/>
+                <a:rPr lang="en-US" altLang="ko-KR" dirty="0"/>
                 <a:t>GUI</a:t>
               </a:r>
               <a:r>
-                <a:rPr lang="ko-KR" altLang="en-US" dirty="0" smtClean="0"/>
+                <a:rPr lang="ko-KR" altLang="en-US" dirty="0"/>
                 <a:t>구현</a:t>
               </a:r>
               <a:r>
-                <a:rPr lang="en-US" altLang="ko-KR" dirty="0" smtClean="0"/>
+                <a:rPr lang="en-US" altLang="ko-KR" dirty="0"/>
                 <a:t>, </a:t>
               </a:r>
               <a:r>
-                <a:rPr lang="ko-KR" altLang="en-US" dirty="0" err="1" smtClean="0"/>
+                <a:rPr lang="ko-KR" altLang="en-US" dirty="0" err="1"/>
                 <a:t>알람</a:t>
               </a:r>
               <a:r>
-                <a:rPr lang="ko-KR" altLang="en-US" dirty="0" smtClean="0"/>
+                <a:rPr lang="ko-KR" altLang="en-US" dirty="0"/>
                 <a:t> 시간 구현</a:t>
               </a:r>
               <a:r>
-                <a:rPr lang="en-US" altLang="ko-KR" dirty="0" smtClean="0"/>
+                <a:rPr lang="en-US" altLang="ko-KR" dirty="0"/>
                 <a:t>,</a:t>
               </a:r>
             </a:p>
             <a:p>
               <a:r>
-                <a:rPr lang="ko-KR" altLang="en-US" dirty="0" smtClean="0"/>
+                <a:rPr lang="ko-KR" altLang="en-US" dirty="0"/>
                 <a:t>노선도 구현</a:t>
               </a:r>
-              <a:endParaRPr lang="ko-KR" altLang="en-US" dirty="0"/>
             </a:p>
           </p:txBody>
         </p:sp>
@@ -5448,22 +7404,21 @@
             <a:p>
               <a:pPr algn="ctr"/>
               <a:r>
-                <a:rPr lang="en-US" altLang="ko-KR" b="1" dirty="0" smtClean="0"/>
+                <a:rPr lang="en-US" altLang="ko-KR" b="1" dirty="0"/>
                 <a:t>6</a:t>
               </a:r>
               <a:r>
-                <a:rPr lang="ko-KR" altLang="en-US" b="1" dirty="0" smtClean="0"/>
+                <a:rPr lang="ko-KR" altLang="en-US" b="1" dirty="0"/>
                 <a:t>주</a:t>
               </a:r>
-              <a:endParaRPr lang="en-US" altLang="ko-KR" b="1" dirty="0" smtClean="0"/>
+              <a:endParaRPr lang="en-US" altLang="ko-KR" b="1" dirty="0"/>
             </a:p>
             <a:p>
               <a:pPr algn="ctr"/>
               <a:r>
-                <a:rPr lang="ko-KR" altLang="en-US" dirty="0" smtClean="0"/>
+                <a:rPr lang="ko-KR" altLang="en-US" dirty="0"/>
                 <a:t>최종 발표</a:t>
               </a:r>
-              <a:endParaRPr lang="ko-KR" altLang="en-US" dirty="0"/>
             </a:p>
           </p:txBody>
         </p:sp>
